--- a/powerpoints/intro_python_1.pptx
+++ b/powerpoints/intro_python_1.pptx
@@ -5,7 +5,7 @@
     <p:sldMasterId id="2147483648" r:id="rId1"/>
   </p:sldMasterIdLst>
   <p:notesMasterIdLst>
-    <p:notesMasterId r:id="rId27"/>
+    <p:notesMasterId r:id="rId14"/>
   </p:notesMasterIdLst>
   <p:sldIdLst>
     <p:sldId id="256" r:id="rId2"/>
@@ -20,19 +20,6 @@
     <p:sldId id="267" r:id="rId11"/>
     <p:sldId id="287" r:id="rId12"/>
     <p:sldId id="284" r:id="rId13"/>
-    <p:sldId id="283" r:id="rId14"/>
-    <p:sldId id="269" r:id="rId15"/>
-    <p:sldId id="270" r:id="rId16"/>
-    <p:sldId id="274" r:id="rId17"/>
-    <p:sldId id="273" r:id="rId18"/>
-    <p:sldId id="276" r:id="rId19"/>
-    <p:sldId id="271" r:id="rId20"/>
-    <p:sldId id="277" r:id="rId21"/>
-    <p:sldId id="282" r:id="rId22"/>
-    <p:sldId id="281" r:id="rId23"/>
-    <p:sldId id="280" r:id="rId24"/>
-    <p:sldId id="285" r:id="rId25"/>
-    <p:sldId id="286" r:id="rId26"/>
   </p:sldIdLst>
   <p:sldSz cx="9144000" cy="6858000" type="screen4x3"/>
   <p:notesSz cx="6858000" cy="9144000"/>
@@ -150,693 +137,13 @@
 </p:presentation>
 </file>
 
-<file path=ppt/changesInfos/changesInfo1.xml><?xml version="1.0" encoding="utf-8"?>
-<pc:chgInfo xmlns:a="http://schemas.openxmlformats.org/drawingml/2006/main" xmlns:r="http://schemas.openxmlformats.org/officeDocument/2006/relationships" xmlns:ac="http://schemas.microsoft.com/office/drawing/2013/main/command" xmlns:pc="http://schemas.microsoft.com/office/powerpoint/2013/main/command">
-  <pc:docChgLst>
-    <pc:chgData name="Carroll, Claudia" userId="S::claudiac@wustl.edu::5513adb2-3315-47c6-853b-61e74126e783" providerId="AD" clId="Web-{2DE4DBE3-196C-A82A-0F29-CFD0656962D9}"/>
-    <pc:docChg chg="addSld delSld modSld sldOrd">
-      <pc:chgData name="Carroll, Claudia" userId="S::claudiac@wustl.edu::5513adb2-3315-47c6-853b-61e74126e783" providerId="AD" clId="Web-{2DE4DBE3-196C-A82A-0F29-CFD0656962D9}" dt="2024-01-22T08:23:39.963" v="583" actId="20577"/>
-      <pc:docMkLst>
-        <pc:docMk/>
-      </pc:docMkLst>
-      <pc:sldChg chg="modSp add mod modClrScheme chgLayout">
-        <pc:chgData name="Carroll, Claudia" userId="S::claudiac@wustl.edu::5513adb2-3315-47c6-853b-61e74126e783" providerId="AD" clId="Web-{2DE4DBE3-196C-A82A-0F29-CFD0656962D9}" dt="2024-01-22T06:39:12.243" v="1"/>
-        <pc:sldMkLst>
-          <pc:docMk/>
-          <pc:sldMk cId="109857222" sldId="256"/>
-        </pc:sldMkLst>
-        <pc:spChg chg="mod ord">
-          <ac:chgData name="Carroll, Claudia" userId="S::claudiac@wustl.edu::5513adb2-3315-47c6-853b-61e74126e783" providerId="AD" clId="Web-{2DE4DBE3-196C-A82A-0F29-CFD0656962D9}" dt="2024-01-22T06:39:12.243" v="1"/>
-          <ac:spMkLst>
-            <pc:docMk/>
-            <pc:sldMk cId="109857222" sldId="256"/>
-            <ac:spMk id="2" creationId="{00000000-0000-0000-0000-000000000000}"/>
-          </ac:spMkLst>
-        </pc:spChg>
-        <pc:spChg chg="mod ord">
-          <ac:chgData name="Carroll, Claudia" userId="S::claudiac@wustl.edu::5513adb2-3315-47c6-853b-61e74126e783" providerId="AD" clId="Web-{2DE4DBE3-196C-A82A-0F29-CFD0656962D9}" dt="2024-01-22T06:39:12.243" v="1"/>
-          <ac:spMkLst>
-            <pc:docMk/>
-            <pc:sldMk cId="109857222" sldId="256"/>
-            <ac:spMk id="3" creationId="{00000000-0000-0000-0000-000000000000}"/>
-          </ac:spMkLst>
-        </pc:spChg>
-      </pc:sldChg>
-      <pc:sldChg chg="modSp add">
-        <pc:chgData name="Carroll, Claudia" userId="S::claudiac@wustl.edu::5513adb2-3315-47c6-853b-61e74126e783" providerId="AD" clId="Web-{2DE4DBE3-196C-A82A-0F29-CFD0656962D9}" dt="2024-01-22T06:46:40.227" v="66"/>
-        <pc:sldMkLst>
-          <pc:docMk/>
-          <pc:sldMk cId="4266118051" sldId="257"/>
-        </pc:sldMkLst>
-        <pc:spChg chg="mod">
-          <ac:chgData name="Carroll, Claudia" userId="S::claudiac@wustl.edu::5513adb2-3315-47c6-853b-61e74126e783" providerId="AD" clId="Web-{2DE4DBE3-196C-A82A-0F29-CFD0656962D9}" dt="2024-01-22T06:46:40.227" v="66"/>
-          <ac:spMkLst>
-            <pc:docMk/>
-            <pc:sldMk cId="4266118051" sldId="257"/>
-            <ac:spMk id="2" creationId="{7DB235B4-5F36-2812-C826-AE8560B6F043}"/>
-          </ac:spMkLst>
-        </pc:spChg>
-        <pc:spChg chg="mod">
-          <ac:chgData name="Carroll, Claudia" userId="S::claudiac@wustl.edu::5513adb2-3315-47c6-853b-61e74126e783" providerId="AD" clId="Web-{2DE4DBE3-196C-A82A-0F29-CFD0656962D9}" dt="2024-01-22T06:41:14.513" v="21"/>
-          <ac:spMkLst>
-            <pc:docMk/>
-            <pc:sldMk cId="4266118051" sldId="257"/>
-            <ac:spMk id="3" creationId="{CFC94F8C-4F28-1791-A278-0523A758DE44}"/>
-          </ac:spMkLst>
-        </pc:spChg>
-      </pc:sldChg>
-      <pc:sldChg chg="modSp add">
-        <pc:chgData name="Carroll, Claudia" userId="S::claudiac@wustl.edu::5513adb2-3315-47c6-853b-61e74126e783" providerId="AD" clId="Web-{2DE4DBE3-196C-A82A-0F29-CFD0656962D9}" dt="2024-01-22T06:46:35.587" v="65"/>
-        <pc:sldMkLst>
-          <pc:docMk/>
-          <pc:sldMk cId="1419661138" sldId="258"/>
-        </pc:sldMkLst>
-        <pc:spChg chg="mod">
-          <ac:chgData name="Carroll, Claudia" userId="S::claudiac@wustl.edu::5513adb2-3315-47c6-853b-61e74126e783" providerId="AD" clId="Web-{2DE4DBE3-196C-A82A-0F29-CFD0656962D9}" dt="2024-01-22T06:46:35.587" v="65"/>
-          <ac:spMkLst>
-            <pc:docMk/>
-            <pc:sldMk cId="1419661138" sldId="258"/>
-            <ac:spMk id="2" creationId="{E502B127-D811-DD9E-705C-5BAAC48EB653}"/>
-          </ac:spMkLst>
-        </pc:spChg>
-        <pc:picChg chg="mod">
-          <ac:chgData name="Carroll, Claudia" userId="S::claudiac@wustl.edu::5513adb2-3315-47c6-853b-61e74126e783" providerId="AD" clId="Web-{2DE4DBE3-196C-A82A-0F29-CFD0656962D9}" dt="2024-01-22T06:41:29.748" v="23" actId="1076"/>
-          <ac:picMkLst>
-            <pc:docMk/>
-            <pc:sldMk cId="1419661138" sldId="258"/>
-            <ac:picMk id="4" creationId="{1FA41F62-AAB3-2B39-8CF8-870C5B97C382}"/>
-          </ac:picMkLst>
-        </pc:picChg>
-      </pc:sldChg>
-      <pc:sldChg chg="del">
-        <pc:chgData name="Carroll, Claudia" userId="S::claudiac@wustl.edu::5513adb2-3315-47c6-853b-61e74126e783" providerId="AD" clId="Web-{2DE4DBE3-196C-A82A-0F29-CFD0656962D9}" dt="2024-01-22T06:39:19.337" v="2"/>
-        <pc:sldMkLst>
-          <pc:docMk/>
-          <pc:sldMk cId="1584286757" sldId="259"/>
-        </pc:sldMkLst>
-      </pc:sldChg>
-      <pc:sldChg chg="modSp add ord">
-        <pc:chgData name="Carroll, Claudia" userId="S::claudiac@wustl.edu::5513adb2-3315-47c6-853b-61e74126e783" providerId="AD" clId="Web-{2DE4DBE3-196C-A82A-0F29-CFD0656962D9}" dt="2024-01-22T07:02:51.963" v="269"/>
-        <pc:sldMkLst>
-          <pc:docMk/>
-          <pc:sldMk cId="3240474744" sldId="259"/>
-        </pc:sldMkLst>
-        <pc:spChg chg="mod">
-          <ac:chgData name="Carroll, Claudia" userId="S::claudiac@wustl.edu::5513adb2-3315-47c6-853b-61e74126e783" providerId="AD" clId="Web-{2DE4DBE3-196C-A82A-0F29-CFD0656962D9}" dt="2024-01-22T06:46:57.259" v="70" actId="20577"/>
-          <ac:spMkLst>
-            <pc:docMk/>
-            <pc:sldMk cId="3240474744" sldId="259"/>
-            <ac:spMk id="3" creationId="{6B2269CA-A6E4-5F83-9E02-D5591D5EF374}"/>
-          </ac:spMkLst>
-        </pc:spChg>
-        <pc:spChg chg="mod">
-          <ac:chgData name="Carroll, Claudia" userId="S::claudiac@wustl.edu::5513adb2-3315-47c6-853b-61e74126e783" providerId="AD" clId="Web-{2DE4DBE3-196C-A82A-0F29-CFD0656962D9}" dt="2024-01-22T06:46:47.353" v="67"/>
-          <ac:spMkLst>
-            <pc:docMk/>
-            <pc:sldMk cId="3240474744" sldId="259"/>
-            <ac:spMk id="5" creationId="{09F55389-22CC-AB78-DBF6-B2FCEF669DFC}"/>
-          </ac:spMkLst>
-        </pc:spChg>
-      </pc:sldChg>
-      <pc:sldChg chg="del">
-        <pc:chgData name="Carroll, Claudia" userId="S::claudiac@wustl.edu::5513adb2-3315-47c6-853b-61e74126e783" providerId="AD" clId="Web-{2DE4DBE3-196C-A82A-0F29-CFD0656962D9}" dt="2024-01-22T06:39:31.182" v="3"/>
-        <pc:sldMkLst>
-          <pc:docMk/>
-          <pc:sldMk cId="1035593031" sldId="260"/>
-        </pc:sldMkLst>
-      </pc:sldChg>
-      <pc:sldChg chg="modSp add">
-        <pc:chgData name="Carroll, Claudia" userId="S::claudiac@wustl.edu::5513adb2-3315-47c6-853b-61e74126e783" providerId="AD" clId="Web-{2DE4DBE3-196C-A82A-0F29-CFD0656962D9}" dt="2024-01-22T07:00:34.271" v="247"/>
-        <pc:sldMkLst>
-          <pc:docMk/>
-          <pc:sldMk cId="1768155783" sldId="260"/>
-        </pc:sldMkLst>
-        <pc:spChg chg="mod">
-          <ac:chgData name="Carroll, Claudia" userId="S::claudiac@wustl.edu::5513adb2-3315-47c6-853b-61e74126e783" providerId="AD" clId="Web-{2DE4DBE3-196C-A82A-0F29-CFD0656962D9}" dt="2024-01-22T06:47:22.307" v="76" actId="20577"/>
-          <ac:spMkLst>
-            <pc:docMk/>
-            <pc:sldMk cId="1768155783" sldId="260"/>
-            <ac:spMk id="2" creationId="{D2049B13-415D-20B0-E2FC-09B1657637D4}"/>
-          </ac:spMkLst>
-        </pc:spChg>
-        <pc:spChg chg="mod">
-          <ac:chgData name="Carroll, Claudia" userId="S::claudiac@wustl.edu::5513adb2-3315-47c6-853b-61e74126e783" providerId="AD" clId="Web-{2DE4DBE3-196C-A82A-0F29-CFD0656962D9}" dt="2024-01-22T07:00:34.271" v="247"/>
-          <ac:spMkLst>
-            <pc:docMk/>
-            <pc:sldMk cId="1768155783" sldId="260"/>
-            <ac:spMk id="3" creationId="{5B437E91-C3E2-8471-1F8E-7CC7BB0DE813}"/>
-          </ac:spMkLst>
-        </pc:spChg>
-      </pc:sldChg>
-      <pc:sldChg chg="del">
-        <pc:chgData name="Carroll, Claudia" userId="S::claudiac@wustl.edu::5513adb2-3315-47c6-853b-61e74126e783" providerId="AD" clId="Web-{2DE4DBE3-196C-A82A-0F29-CFD0656962D9}" dt="2024-01-22T06:39:49.401" v="7"/>
-        <pc:sldMkLst>
-          <pc:docMk/>
-          <pc:sldMk cId="1183157484" sldId="261"/>
-        </pc:sldMkLst>
-      </pc:sldChg>
-      <pc:sldChg chg="modSp add">
-        <pc:chgData name="Carroll, Claudia" userId="S::claudiac@wustl.edu::5513adb2-3315-47c6-853b-61e74126e783" providerId="AD" clId="Web-{2DE4DBE3-196C-A82A-0F29-CFD0656962D9}" dt="2024-01-22T06:48:49.013" v="104" actId="20577"/>
-        <pc:sldMkLst>
-          <pc:docMk/>
-          <pc:sldMk cId="2187364593" sldId="261"/>
-        </pc:sldMkLst>
-        <pc:spChg chg="mod">
-          <ac:chgData name="Carroll, Claudia" userId="S::claudiac@wustl.edu::5513adb2-3315-47c6-853b-61e74126e783" providerId="AD" clId="Web-{2DE4DBE3-196C-A82A-0F29-CFD0656962D9}" dt="2024-01-22T06:47:59.027" v="84"/>
-          <ac:spMkLst>
-            <pc:docMk/>
-            <pc:sldMk cId="2187364593" sldId="261"/>
-            <ac:spMk id="2" creationId="{2F15FD6A-22D6-CF26-AB72-1F5BFC6B2AAF}"/>
-          </ac:spMkLst>
-        </pc:spChg>
-        <pc:spChg chg="mod">
-          <ac:chgData name="Carroll, Claudia" userId="S::claudiac@wustl.edu::5513adb2-3315-47c6-853b-61e74126e783" providerId="AD" clId="Web-{2DE4DBE3-196C-A82A-0F29-CFD0656962D9}" dt="2024-01-22T06:48:49.013" v="104" actId="20577"/>
-          <ac:spMkLst>
-            <pc:docMk/>
-            <pc:sldMk cId="2187364593" sldId="261"/>
-            <ac:spMk id="3" creationId="{850205FB-88B8-A56C-93D0-6EDD16A1678B}"/>
-          </ac:spMkLst>
-        </pc:spChg>
-      </pc:sldChg>
-      <pc:sldChg chg="modSp add ord">
-        <pc:chgData name="Carroll, Claudia" userId="S::claudiac@wustl.edu::5513adb2-3315-47c6-853b-61e74126e783" providerId="AD" clId="Web-{2DE4DBE3-196C-A82A-0F29-CFD0656962D9}" dt="2024-01-22T07:02:44.838" v="268"/>
-        <pc:sldMkLst>
-          <pc:docMk/>
-          <pc:sldMk cId="1075985789" sldId="262"/>
-        </pc:sldMkLst>
-        <pc:spChg chg="mod">
-          <ac:chgData name="Carroll, Claudia" userId="S::claudiac@wustl.edu::5513adb2-3315-47c6-853b-61e74126e783" providerId="AD" clId="Web-{2DE4DBE3-196C-A82A-0F29-CFD0656962D9}" dt="2024-01-22T06:47:27.713" v="77"/>
-          <ac:spMkLst>
-            <pc:docMk/>
-            <pc:sldMk cId="1075985789" sldId="262"/>
-            <ac:spMk id="2" creationId="{E991BDDB-6BD5-043A-AD29-EFF4C154CD58}"/>
-          </ac:spMkLst>
-        </pc:spChg>
-      </pc:sldChg>
-      <pc:sldChg chg="del">
-        <pc:chgData name="Carroll, Claudia" userId="S::claudiac@wustl.edu::5513adb2-3315-47c6-853b-61e74126e783" providerId="AD" clId="Web-{2DE4DBE3-196C-A82A-0F29-CFD0656962D9}" dt="2024-01-22T06:40:16.386" v="11"/>
-        <pc:sldMkLst>
-          <pc:docMk/>
-          <pc:sldMk cId="1123038945" sldId="262"/>
-        </pc:sldMkLst>
-      </pc:sldChg>
-      <pc:sldChg chg="del">
-        <pc:chgData name="Carroll, Claudia" userId="S::claudiac@wustl.edu::5513adb2-3315-47c6-853b-61e74126e783" providerId="AD" clId="Web-{2DE4DBE3-196C-A82A-0F29-CFD0656962D9}" dt="2024-01-22T06:40:38.403" v="19"/>
-        <pc:sldMkLst>
-          <pc:docMk/>
-          <pc:sldMk cId="4102474458" sldId="263"/>
-        </pc:sldMkLst>
-      </pc:sldChg>
-      <pc:sldChg chg="del">
-        <pc:chgData name="Carroll, Claudia" userId="S::claudiac@wustl.edu::5513adb2-3315-47c6-853b-61e74126e783" providerId="AD" clId="Web-{2DE4DBE3-196C-A82A-0F29-CFD0656962D9}" dt="2024-01-22T06:43:07.439" v="37"/>
-        <pc:sldMkLst>
-          <pc:docMk/>
-          <pc:sldMk cId="1667539675" sldId="264"/>
-        </pc:sldMkLst>
-      </pc:sldChg>
-      <pc:sldChg chg="del">
-        <pc:chgData name="Carroll, Claudia" userId="S::claudiac@wustl.edu::5513adb2-3315-47c6-853b-61e74126e783" providerId="AD" clId="Web-{2DE4DBE3-196C-A82A-0F29-CFD0656962D9}" dt="2024-01-22T06:45:45.272" v="63"/>
-        <pc:sldMkLst>
-          <pc:docMk/>
-          <pc:sldMk cId="51798783" sldId="265"/>
-        </pc:sldMkLst>
-      </pc:sldChg>
-      <pc:sldChg chg="del">
-        <pc:chgData name="Carroll, Claudia" userId="S::claudiac@wustl.edu::5513adb2-3315-47c6-853b-61e74126e783" providerId="AD" clId="Web-{2DE4DBE3-196C-A82A-0F29-CFD0656962D9}" dt="2024-01-22T06:45:48.319" v="64"/>
-        <pc:sldMkLst>
-          <pc:docMk/>
-          <pc:sldMk cId="4190642258" sldId="266"/>
-        </pc:sldMkLst>
-      </pc:sldChg>
-      <pc:sldChg chg="new del">
-        <pc:chgData name="Carroll, Claudia" userId="S::claudiac@wustl.edu::5513adb2-3315-47c6-853b-61e74126e783" providerId="AD" clId="Web-{2DE4DBE3-196C-A82A-0F29-CFD0656962D9}" dt="2024-01-22T06:40:15.605" v="10"/>
-        <pc:sldMkLst>
-          <pc:docMk/>
-          <pc:sldMk cId="684634084" sldId="267"/>
-        </pc:sldMkLst>
-      </pc:sldChg>
-      <pc:sldChg chg="add del">
-        <pc:chgData name="Carroll, Claudia" userId="S::claudiac@wustl.edu::5513adb2-3315-47c6-853b-61e74126e783" providerId="AD" clId="Web-{2DE4DBE3-196C-A82A-0F29-CFD0656962D9}" dt="2024-01-22T06:39:45.838" v="6"/>
-        <pc:sldMkLst>
-          <pc:docMk/>
-          <pc:sldMk cId="969047029" sldId="267"/>
-        </pc:sldMkLst>
-      </pc:sldChg>
-      <pc:sldChg chg="modSp add">
-        <pc:chgData name="Carroll, Claudia" userId="S::claudiac@wustl.edu::5513adb2-3315-47c6-853b-61e74126e783" providerId="AD" clId="Web-{2DE4DBE3-196C-A82A-0F29-CFD0656962D9}" dt="2024-01-22T06:49:23.873" v="109" actId="20577"/>
-        <pc:sldMkLst>
-          <pc:docMk/>
-          <pc:sldMk cId="2077495510" sldId="267"/>
-        </pc:sldMkLst>
-        <pc:spChg chg="mod">
-          <ac:chgData name="Carroll, Claudia" userId="S::claudiac@wustl.edu::5513adb2-3315-47c6-853b-61e74126e783" providerId="AD" clId="Web-{2DE4DBE3-196C-A82A-0F29-CFD0656962D9}" dt="2024-01-22T06:49:04.498" v="106"/>
-          <ac:spMkLst>
-            <pc:docMk/>
-            <pc:sldMk cId="2077495510" sldId="267"/>
-            <ac:spMk id="2" creationId="{E71D3CE9-A0CE-688A-8425-F676EA57FDDA}"/>
-          </ac:spMkLst>
-        </pc:spChg>
-        <pc:spChg chg="mod">
-          <ac:chgData name="Carroll, Claudia" userId="S::claudiac@wustl.edu::5513adb2-3315-47c6-853b-61e74126e783" providerId="AD" clId="Web-{2DE4DBE3-196C-A82A-0F29-CFD0656962D9}" dt="2024-01-22T06:49:23.873" v="109" actId="20577"/>
-          <ac:spMkLst>
-            <pc:docMk/>
-            <pc:sldMk cId="2077495510" sldId="267"/>
-            <ac:spMk id="3" creationId="{3E49142E-0FF7-3BD4-D714-FDB0A199AB58}"/>
-          </ac:spMkLst>
-        </pc:spChg>
-      </pc:sldChg>
-      <pc:sldChg chg="modSp add">
-        <pc:chgData name="Carroll, Claudia" userId="S::claudiac@wustl.edu::5513adb2-3315-47c6-853b-61e74126e783" providerId="AD" clId="Web-{2DE4DBE3-196C-A82A-0F29-CFD0656962D9}" dt="2024-01-22T06:47:55.792" v="83" actId="20577"/>
-        <pc:sldMkLst>
-          <pc:docMk/>
-          <pc:sldMk cId="3839357258" sldId="268"/>
-        </pc:sldMkLst>
-        <pc:spChg chg="mod">
-          <ac:chgData name="Carroll, Claudia" userId="S::claudiac@wustl.edu::5513adb2-3315-47c6-853b-61e74126e783" providerId="AD" clId="Web-{2DE4DBE3-196C-A82A-0F29-CFD0656962D9}" dt="2024-01-22T06:47:36.854" v="78"/>
-          <ac:spMkLst>
-            <pc:docMk/>
-            <pc:sldMk cId="3839357258" sldId="268"/>
-            <ac:spMk id="2" creationId="{FF02E442-5BD2-C7E7-D487-182D2EC0E4FF}"/>
-          </ac:spMkLst>
-        </pc:spChg>
-        <pc:spChg chg="mod">
-          <ac:chgData name="Carroll, Claudia" userId="S::claudiac@wustl.edu::5513adb2-3315-47c6-853b-61e74126e783" providerId="AD" clId="Web-{2DE4DBE3-196C-A82A-0F29-CFD0656962D9}" dt="2024-01-22T06:47:55.792" v="83" actId="20577"/>
-          <ac:spMkLst>
-            <pc:docMk/>
-            <pc:sldMk cId="3839357258" sldId="268"/>
-            <ac:spMk id="3" creationId="{13B6A96C-8D86-7F21-3DA5-4A818CE6C4D6}"/>
-          </ac:spMkLst>
-        </pc:spChg>
-      </pc:sldChg>
-      <pc:sldChg chg="modSp add">
-        <pc:chgData name="Carroll, Claudia" userId="S::claudiac@wustl.edu::5513adb2-3315-47c6-853b-61e74126e783" providerId="AD" clId="Web-{2DE4DBE3-196C-A82A-0F29-CFD0656962D9}" dt="2024-01-22T06:57:23.374" v="213" actId="20577"/>
-        <pc:sldMkLst>
-          <pc:docMk/>
-          <pc:sldMk cId="1063925012" sldId="269"/>
-        </pc:sldMkLst>
-        <pc:spChg chg="mod">
-          <ac:chgData name="Carroll, Claudia" userId="S::claudiac@wustl.edu::5513adb2-3315-47c6-853b-61e74126e783" providerId="AD" clId="Web-{2DE4DBE3-196C-A82A-0F29-CFD0656962D9}" dt="2024-01-22T06:53:56.430" v="160"/>
-          <ac:spMkLst>
-            <pc:docMk/>
-            <pc:sldMk cId="1063925012" sldId="269"/>
-            <ac:spMk id="2" creationId="{F10936FC-91BC-6F18-E4B0-10EF4EB1AAF7}"/>
-          </ac:spMkLst>
-        </pc:spChg>
-        <pc:spChg chg="mod">
-          <ac:chgData name="Carroll, Claudia" userId="S::claudiac@wustl.edu::5513adb2-3315-47c6-853b-61e74126e783" providerId="AD" clId="Web-{2DE4DBE3-196C-A82A-0F29-CFD0656962D9}" dt="2024-01-22T06:57:23.374" v="213" actId="20577"/>
-          <ac:spMkLst>
-            <pc:docMk/>
-            <pc:sldMk cId="1063925012" sldId="269"/>
-            <ac:spMk id="3" creationId="{19BF0F97-5BAA-06CC-A512-D46EC0C17E37}"/>
-          </ac:spMkLst>
-        </pc:spChg>
-      </pc:sldChg>
-      <pc:sldChg chg="modSp add ord">
-        <pc:chgData name="Carroll, Claudia" userId="S::claudiac@wustl.edu::5513adb2-3315-47c6-853b-61e74126e783" providerId="AD" clId="Web-{2DE4DBE3-196C-A82A-0F29-CFD0656962D9}" dt="2024-01-22T07:02:14.290" v="266" actId="20577"/>
-        <pc:sldMkLst>
-          <pc:docMk/>
-          <pc:sldMk cId="2821551489" sldId="270"/>
-        </pc:sldMkLst>
-        <pc:spChg chg="mod">
-          <ac:chgData name="Carroll, Claudia" userId="S::claudiac@wustl.edu::5513adb2-3315-47c6-853b-61e74126e783" providerId="AD" clId="Web-{2DE4DBE3-196C-A82A-0F29-CFD0656962D9}" dt="2024-01-22T06:54:07.336" v="163"/>
-          <ac:spMkLst>
-            <pc:docMk/>
-            <pc:sldMk cId="2821551489" sldId="270"/>
-            <ac:spMk id="2" creationId="{02F7649D-1216-701F-DDC7-3D654E6CA8B4}"/>
-          </ac:spMkLst>
-        </pc:spChg>
-        <pc:spChg chg="mod">
-          <ac:chgData name="Carroll, Claudia" userId="S::claudiac@wustl.edu::5513adb2-3315-47c6-853b-61e74126e783" providerId="AD" clId="Web-{2DE4DBE3-196C-A82A-0F29-CFD0656962D9}" dt="2024-01-22T07:02:14.290" v="266" actId="20577"/>
-          <ac:spMkLst>
-            <pc:docMk/>
-            <pc:sldMk cId="2821551489" sldId="270"/>
-            <ac:spMk id="3" creationId="{FC6F496C-2869-217F-4678-F4A2C39A0FE9}"/>
-          </ac:spMkLst>
-        </pc:spChg>
-      </pc:sldChg>
-      <pc:sldChg chg="modSp add">
-        <pc:chgData name="Carroll, Claudia" userId="S::claudiac@wustl.edu::5513adb2-3315-47c6-853b-61e74126e783" providerId="AD" clId="Web-{2DE4DBE3-196C-A82A-0F29-CFD0656962D9}" dt="2024-01-22T06:44:44.270" v="53" actId="1076"/>
-        <pc:sldMkLst>
-          <pc:docMk/>
-          <pc:sldMk cId="817878283" sldId="271"/>
-        </pc:sldMkLst>
-        <pc:spChg chg="mod">
-          <ac:chgData name="Carroll, Claudia" userId="S::claudiac@wustl.edu::5513adb2-3315-47c6-853b-61e74126e783" providerId="AD" clId="Web-{2DE4DBE3-196C-A82A-0F29-CFD0656962D9}" dt="2024-01-22T06:44:44.270" v="53" actId="1076"/>
-          <ac:spMkLst>
-            <pc:docMk/>
-            <pc:sldMk cId="817878283" sldId="271"/>
-            <ac:spMk id="6" creationId="{82C79800-D8B1-99BE-680D-B545EE87A5AA}"/>
-          </ac:spMkLst>
-        </pc:spChg>
-        <pc:picChg chg="mod">
-          <ac:chgData name="Carroll, Claudia" userId="S::claudiac@wustl.edu::5513adb2-3315-47c6-853b-61e74126e783" providerId="AD" clId="Web-{2DE4DBE3-196C-A82A-0F29-CFD0656962D9}" dt="2024-01-22T06:44:18.519" v="47" actId="1076"/>
-          <ac:picMkLst>
-            <pc:docMk/>
-            <pc:sldMk cId="817878283" sldId="271"/>
-            <ac:picMk id="4" creationId="{10E72BF6-8875-031E-13D7-4A1D8CC8368D}"/>
-          </ac:picMkLst>
-        </pc:picChg>
-      </pc:sldChg>
-      <pc:sldChg chg="modSp add">
-        <pc:chgData name="Carroll, Claudia" userId="S::claudiac@wustl.edu::5513adb2-3315-47c6-853b-61e74126e783" providerId="AD" clId="Web-{2DE4DBE3-196C-A82A-0F29-CFD0656962D9}" dt="2024-01-22T06:59:07.003" v="235"/>
-        <pc:sldMkLst>
-          <pc:docMk/>
-          <pc:sldMk cId="913908910" sldId="273"/>
-        </pc:sldMkLst>
-        <pc:spChg chg="mod">
-          <ac:chgData name="Carroll, Claudia" userId="S::claudiac@wustl.edu::5513adb2-3315-47c6-853b-61e74126e783" providerId="AD" clId="Web-{2DE4DBE3-196C-A82A-0F29-CFD0656962D9}" dt="2024-01-22T06:59:07.003" v="235"/>
-          <ac:spMkLst>
-            <pc:docMk/>
-            <pc:sldMk cId="913908910" sldId="273"/>
-            <ac:spMk id="2" creationId="{70659ADD-6D61-5771-1643-9A1D2741B771}"/>
-          </ac:spMkLst>
-        </pc:spChg>
-      </pc:sldChg>
-      <pc:sldChg chg="modSp add">
-        <pc:chgData name="Carroll, Claudia" userId="S::claudiac@wustl.edu::5513adb2-3315-47c6-853b-61e74126e783" providerId="AD" clId="Web-{2DE4DBE3-196C-A82A-0F29-CFD0656962D9}" dt="2024-01-22T06:58:56.799" v="234" actId="20577"/>
-        <pc:sldMkLst>
-          <pc:docMk/>
-          <pc:sldMk cId="3570399089" sldId="274"/>
-        </pc:sldMkLst>
-        <pc:spChg chg="mod">
-          <ac:chgData name="Carroll, Claudia" userId="S::claudiac@wustl.edu::5513adb2-3315-47c6-853b-61e74126e783" providerId="AD" clId="Web-{2DE4DBE3-196C-A82A-0F29-CFD0656962D9}" dt="2024-01-22T06:58:47.721" v="231"/>
-          <ac:spMkLst>
-            <pc:docMk/>
-            <pc:sldMk cId="3570399089" sldId="274"/>
-            <ac:spMk id="2" creationId="{B9D39F5F-3657-DCE3-3903-1419EDD3E3DD}"/>
-          </ac:spMkLst>
-        </pc:spChg>
-        <pc:spChg chg="mod">
-          <ac:chgData name="Carroll, Claudia" userId="S::claudiac@wustl.edu::5513adb2-3315-47c6-853b-61e74126e783" providerId="AD" clId="Web-{2DE4DBE3-196C-A82A-0F29-CFD0656962D9}" dt="2024-01-22T06:58:56.799" v="234" actId="20577"/>
-          <ac:spMkLst>
-            <pc:docMk/>
-            <pc:sldMk cId="3570399089" sldId="274"/>
-            <ac:spMk id="5" creationId="{891BC23B-5848-A776-22EE-7267A96F6DBF}"/>
-          </ac:spMkLst>
-        </pc:spChg>
-      </pc:sldChg>
-      <pc:sldChg chg="add">
-        <pc:chgData name="Carroll, Claudia" userId="S::claudiac@wustl.edu::5513adb2-3315-47c6-853b-61e74126e783" providerId="AD" clId="Web-{2DE4DBE3-196C-A82A-0F29-CFD0656962D9}" dt="2024-01-22T06:42:27.359" v="30"/>
-        <pc:sldMkLst>
-          <pc:docMk/>
-          <pc:sldMk cId="2164786919" sldId="276"/>
-        </pc:sldMkLst>
-      </pc:sldChg>
-      <pc:sldChg chg="modSp add">
-        <pc:chgData name="Carroll, Claudia" userId="S::claudiac@wustl.edu::5513adb2-3315-47c6-853b-61e74126e783" providerId="AD" clId="Web-{2DE4DBE3-196C-A82A-0F29-CFD0656962D9}" dt="2024-01-22T06:44:57.833" v="57" actId="20577"/>
-        <pc:sldMkLst>
-          <pc:docMk/>
-          <pc:sldMk cId="3918721913" sldId="277"/>
-        </pc:sldMkLst>
-        <pc:spChg chg="mod">
-          <ac:chgData name="Carroll, Claudia" userId="S::claudiac@wustl.edu::5513adb2-3315-47c6-853b-61e74126e783" providerId="AD" clId="Web-{2DE4DBE3-196C-A82A-0F29-CFD0656962D9}" dt="2024-01-22T06:44:51.505" v="55" actId="20577"/>
-          <ac:spMkLst>
-            <pc:docMk/>
-            <pc:sldMk cId="3918721913" sldId="277"/>
-            <ac:spMk id="2" creationId="{68BBC2B6-042D-349A-DEAC-41DF1460151E}"/>
-          </ac:spMkLst>
-        </pc:spChg>
-        <pc:spChg chg="mod">
-          <ac:chgData name="Carroll, Claudia" userId="S::claudiac@wustl.edu::5513adb2-3315-47c6-853b-61e74126e783" providerId="AD" clId="Web-{2DE4DBE3-196C-A82A-0F29-CFD0656962D9}" dt="2024-01-22T06:44:57.833" v="57" actId="20577"/>
-          <ac:spMkLst>
-            <pc:docMk/>
-            <pc:sldMk cId="3918721913" sldId="277"/>
-            <ac:spMk id="3" creationId="{0F66D310-EF51-88EB-4FC0-C2858B730094}"/>
-          </ac:spMkLst>
-        </pc:spChg>
-      </pc:sldChg>
-      <pc:sldChg chg="modSp add">
-        <pc:chgData name="Carroll, Claudia" userId="S::claudiac@wustl.edu::5513adb2-3315-47c6-853b-61e74126e783" providerId="AD" clId="Web-{2DE4DBE3-196C-A82A-0F29-CFD0656962D9}" dt="2024-01-22T06:43:26.143" v="41" actId="20577"/>
-        <pc:sldMkLst>
-          <pc:docMk/>
-          <pc:sldMk cId="1715855539" sldId="279"/>
-        </pc:sldMkLst>
-        <pc:spChg chg="mod">
-          <ac:chgData name="Carroll, Claudia" userId="S::claudiac@wustl.edu::5513adb2-3315-47c6-853b-61e74126e783" providerId="AD" clId="Web-{2DE4DBE3-196C-A82A-0F29-CFD0656962D9}" dt="2024-01-22T06:43:26.143" v="41" actId="20577"/>
-          <ac:spMkLst>
-            <pc:docMk/>
-            <pc:sldMk cId="1715855539" sldId="279"/>
-            <ac:spMk id="3" creationId="{75E3AE28-7031-9892-6537-33C8011AFDDB}"/>
-          </ac:spMkLst>
-        </pc:spChg>
-      </pc:sldChg>
-      <pc:sldChg chg="modSp add">
-        <pc:chgData name="Carroll, Claudia" userId="S::claudiac@wustl.edu::5513adb2-3315-47c6-853b-61e74126e783" providerId="AD" clId="Web-{2DE4DBE3-196C-A82A-0F29-CFD0656962D9}" dt="2024-01-22T07:09:33.764" v="287"/>
-        <pc:sldMkLst>
-          <pc:docMk/>
-          <pc:sldMk cId="1013305701" sldId="280"/>
-        </pc:sldMkLst>
-        <pc:spChg chg="mod">
-          <ac:chgData name="Carroll, Claudia" userId="S::claudiac@wustl.edu::5513adb2-3315-47c6-853b-61e74126e783" providerId="AD" clId="Web-{2DE4DBE3-196C-A82A-0F29-CFD0656962D9}" dt="2024-01-22T07:09:33.764" v="287"/>
-          <ac:spMkLst>
-            <pc:docMk/>
-            <pc:sldMk cId="1013305701" sldId="280"/>
-            <ac:spMk id="2" creationId="{14001CB8-5500-C1A6-DCD2-EB48EA2F4784}"/>
-          </ac:spMkLst>
-        </pc:spChg>
-        <pc:spChg chg="mod">
-          <ac:chgData name="Carroll, Claudia" userId="S::claudiac@wustl.edu::5513adb2-3315-47c6-853b-61e74126e783" providerId="AD" clId="Web-{2DE4DBE3-196C-A82A-0F29-CFD0656962D9}" dt="2024-01-22T06:45:42.538" v="62" actId="20577"/>
-          <ac:spMkLst>
-            <pc:docMk/>
-            <pc:sldMk cId="1013305701" sldId="280"/>
-            <ac:spMk id="3" creationId="{96E4724A-F30F-11E5-81D8-3924BE5D52BB}"/>
-          </ac:spMkLst>
-        </pc:spChg>
-      </pc:sldChg>
-      <pc:sldChg chg="modSp add ord">
-        <pc:chgData name="Carroll, Claudia" userId="S::claudiac@wustl.edu::5513adb2-3315-47c6-853b-61e74126e783" providerId="AD" clId="Web-{2DE4DBE3-196C-A82A-0F29-CFD0656962D9}" dt="2024-01-22T07:09:19.263" v="286"/>
-        <pc:sldMkLst>
-          <pc:docMk/>
-          <pc:sldMk cId="1760213573" sldId="281"/>
-        </pc:sldMkLst>
-        <pc:spChg chg="mod">
-          <ac:chgData name="Carroll, Claudia" userId="S::claudiac@wustl.edu::5513adb2-3315-47c6-853b-61e74126e783" providerId="AD" clId="Web-{2DE4DBE3-196C-A82A-0F29-CFD0656962D9}" dt="2024-01-22T06:59:35.253" v="238"/>
-          <ac:spMkLst>
-            <pc:docMk/>
-            <pc:sldMk cId="1760213573" sldId="281"/>
-            <ac:spMk id="2" creationId="{657BA884-2F10-BCAB-6C03-66DE5F3B913E}"/>
-          </ac:spMkLst>
-        </pc:spChg>
-        <pc:spChg chg="mod">
-          <ac:chgData name="Carroll, Claudia" userId="S::claudiac@wustl.edu::5513adb2-3315-47c6-853b-61e74126e783" providerId="AD" clId="Web-{2DE4DBE3-196C-A82A-0F29-CFD0656962D9}" dt="2024-01-22T06:59:54.410" v="246" actId="20577"/>
-          <ac:spMkLst>
-            <pc:docMk/>
-            <pc:sldMk cId="1760213573" sldId="281"/>
-            <ac:spMk id="3" creationId="{8DEB31ED-E7DC-CC59-E76F-72C57BA85B4C}"/>
-          </ac:spMkLst>
-        </pc:spChg>
-      </pc:sldChg>
-      <pc:sldChg chg="modSp add">
-        <pc:chgData name="Carroll, Claudia" userId="S::claudiac@wustl.edu::5513adb2-3315-47c6-853b-61e74126e783" providerId="AD" clId="Web-{2DE4DBE3-196C-A82A-0F29-CFD0656962D9}" dt="2024-01-22T06:59:22.425" v="237"/>
-        <pc:sldMkLst>
-          <pc:docMk/>
-          <pc:sldMk cId="702624774" sldId="282"/>
-        </pc:sldMkLst>
-        <pc:spChg chg="mod">
-          <ac:chgData name="Carroll, Claudia" userId="S::claudiac@wustl.edu::5513adb2-3315-47c6-853b-61e74126e783" providerId="AD" clId="Web-{2DE4DBE3-196C-A82A-0F29-CFD0656962D9}" dt="2024-01-22T06:59:19.925" v="236"/>
-          <ac:spMkLst>
-            <pc:docMk/>
-            <pc:sldMk cId="702624774" sldId="282"/>
-            <ac:spMk id="2" creationId="{80E90C0C-B43F-5580-65EA-BCF0306311E3}"/>
-          </ac:spMkLst>
-        </pc:spChg>
-        <pc:spChg chg="mod">
-          <ac:chgData name="Carroll, Claudia" userId="S::claudiac@wustl.edu::5513adb2-3315-47c6-853b-61e74126e783" providerId="AD" clId="Web-{2DE4DBE3-196C-A82A-0F29-CFD0656962D9}" dt="2024-01-22T06:59:22.425" v="237"/>
-          <ac:spMkLst>
-            <pc:docMk/>
-            <pc:sldMk cId="702624774" sldId="282"/>
-            <ac:spMk id="3" creationId="{C9601FBB-18F9-B52B-A114-C2E4BF8D9678}"/>
-          </ac:spMkLst>
-        </pc:spChg>
-      </pc:sldChg>
-      <pc:sldChg chg="delSp add">
-        <pc:chgData name="Carroll, Claudia" userId="S::claudiac@wustl.edu::5513adb2-3315-47c6-853b-61e74126e783" providerId="AD" clId="Web-{2DE4DBE3-196C-A82A-0F29-CFD0656962D9}" dt="2024-01-22T06:43:42.424" v="42"/>
-        <pc:sldMkLst>
-          <pc:docMk/>
-          <pc:sldMk cId="2247768815" sldId="283"/>
-        </pc:sldMkLst>
-        <pc:spChg chg="del">
-          <ac:chgData name="Carroll, Claudia" userId="S::claudiac@wustl.edu::5513adb2-3315-47c6-853b-61e74126e783" providerId="AD" clId="Web-{2DE4DBE3-196C-A82A-0F29-CFD0656962D9}" dt="2024-01-22T06:43:42.424" v="42"/>
-          <ac:spMkLst>
-            <pc:docMk/>
-            <pc:sldMk cId="2247768815" sldId="283"/>
-            <ac:spMk id="3" creationId="{EAF01BC5-235B-84F2-FEEA-234CD1602080}"/>
-          </ac:spMkLst>
-        </pc:spChg>
-      </pc:sldChg>
-      <pc:sldChg chg="modSp add">
-        <pc:chgData name="Carroll, Claudia" userId="S::claudiac@wustl.edu::5513adb2-3315-47c6-853b-61e74126e783" providerId="AD" clId="Web-{2DE4DBE3-196C-A82A-0F29-CFD0656962D9}" dt="2024-01-22T07:40:15.720" v="467" actId="20577"/>
-        <pc:sldMkLst>
-          <pc:docMk/>
-          <pc:sldMk cId="3172886506" sldId="284"/>
-        </pc:sldMkLst>
-        <pc:spChg chg="mod">
-          <ac:chgData name="Carroll, Claudia" userId="S::claudiac@wustl.edu::5513adb2-3315-47c6-853b-61e74126e783" providerId="AD" clId="Web-{2DE4DBE3-196C-A82A-0F29-CFD0656962D9}" dt="2024-01-22T06:49:34.764" v="110"/>
-          <ac:spMkLst>
-            <pc:docMk/>
-            <pc:sldMk cId="3172886506" sldId="284"/>
-            <ac:spMk id="2" creationId="{26239ECD-84D7-423D-A7A5-30102159DD8F}"/>
-          </ac:spMkLst>
-        </pc:spChg>
-        <pc:spChg chg="mod">
-          <ac:chgData name="Carroll, Claudia" userId="S::claudiac@wustl.edu::5513adb2-3315-47c6-853b-61e74126e783" providerId="AD" clId="Web-{2DE4DBE3-196C-A82A-0F29-CFD0656962D9}" dt="2024-01-22T07:40:15.720" v="467" actId="20577"/>
-          <ac:spMkLst>
-            <pc:docMk/>
-            <pc:sldMk cId="3172886506" sldId="284"/>
-            <ac:spMk id="3" creationId="{5C711193-AD05-4AB5-7776-DEEF59AF5433}"/>
-          </ac:spMkLst>
-        </pc:spChg>
-      </pc:sldChg>
-      <pc:sldChg chg="modSp new">
-        <pc:chgData name="Carroll, Claudia" userId="S::claudiac@wustl.edu::5513adb2-3315-47c6-853b-61e74126e783" providerId="AD" clId="Web-{2DE4DBE3-196C-A82A-0F29-CFD0656962D9}" dt="2024-01-22T07:09:02.184" v="284" actId="20577"/>
-        <pc:sldMkLst>
-          <pc:docMk/>
-          <pc:sldMk cId="1699678302" sldId="285"/>
-        </pc:sldMkLst>
-        <pc:spChg chg="mod">
-          <ac:chgData name="Carroll, Claudia" userId="S::claudiac@wustl.edu::5513adb2-3315-47c6-853b-61e74126e783" providerId="AD" clId="Web-{2DE4DBE3-196C-A82A-0F29-CFD0656962D9}" dt="2024-01-22T07:09:02.184" v="284" actId="20577"/>
-          <ac:spMkLst>
-            <pc:docMk/>
-            <pc:sldMk cId="1699678302" sldId="285"/>
-            <ac:spMk id="2" creationId="{90F7FC59-CF4C-5071-86AE-4A3B4961F1F5}"/>
-          </ac:spMkLst>
-        </pc:spChg>
-        <pc:spChg chg="mod">
-          <ac:chgData name="Carroll, Claudia" userId="S::claudiac@wustl.edu::5513adb2-3315-47c6-853b-61e74126e783" providerId="AD" clId="Web-{2DE4DBE3-196C-A82A-0F29-CFD0656962D9}" dt="2024-01-22T07:08:44.074" v="282" actId="20577"/>
-          <ac:spMkLst>
-            <pc:docMk/>
-            <pc:sldMk cId="1699678302" sldId="285"/>
-            <ac:spMk id="3" creationId="{B7F13109-A066-E36F-862D-B7B792682A99}"/>
-          </ac:spMkLst>
-        </pc:spChg>
-      </pc:sldChg>
-      <pc:sldChg chg="modSp new">
-        <pc:chgData name="Carroll, Claudia" userId="S::claudiac@wustl.edu::5513adb2-3315-47c6-853b-61e74126e783" providerId="AD" clId="Web-{2DE4DBE3-196C-A82A-0F29-CFD0656962D9}" dt="2024-01-22T08:23:39.963" v="583" actId="20577"/>
-        <pc:sldMkLst>
-          <pc:docMk/>
-          <pc:sldMk cId="3143217917" sldId="286"/>
-        </pc:sldMkLst>
-        <pc:spChg chg="mod">
-          <ac:chgData name="Carroll, Claudia" userId="S::claudiac@wustl.edu::5513adb2-3315-47c6-853b-61e74126e783" providerId="AD" clId="Web-{2DE4DBE3-196C-A82A-0F29-CFD0656962D9}" dt="2024-01-22T08:23:39.963" v="583" actId="20577"/>
-          <ac:spMkLst>
-            <pc:docMk/>
-            <pc:sldMk cId="3143217917" sldId="286"/>
-            <ac:spMk id="2" creationId="{C3B60153-31EE-EE67-6EBC-192E9EE7A238}"/>
-          </ac:spMkLst>
-        </pc:spChg>
-        <pc:spChg chg="mod">
-          <ac:chgData name="Carroll, Claudia" userId="S::claudiac@wustl.edu::5513adb2-3315-47c6-853b-61e74126e783" providerId="AD" clId="Web-{2DE4DBE3-196C-A82A-0F29-CFD0656962D9}" dt="2024-01-22T07:20:05.894" v="293" actId="20577"/>
-          <ac:spMkLst>
-            <pc:docMk/>
-            <pc:sldMk cId="3143217917" sldId="286"/>
-            <ac:spMk id="3" creationId="{55C414E5-E670-63E3-2ACE-E8D1BD751495}"/>
-          </ac:spMkLst>
-        </pc:spChg>
-      </pc:sldChg>
-    </pc:docChg>
-  </pc:docChgLst>
-  <pc:docChgLst>
-    <pc:chgData name="Carroll, Claudia" userId="5513adb2-3315-47c6-853b-61e74126e783" providerId="ADAL" clId="{FB075658-0DC1-4C4F-B825-059DFA9E62B3}"/>
-    <pc:docChg chg="custSel addSld modSld">
-      <pc:chgData name="Carroll, Claudia" userId="5513adb2-3315-47c6-853b-61e74126e783" providerId="ADAL" clId="{FB075658-0DC1-4C4F-B825-059DFA9E62B3}" dt="2024-01-26T18:13:07.499" v="491" actId="20577"/>
-      <pc:docMkLst>
-        <pc:docMk/>
-      </pc:docMkLst>
-      <pc:sldChg chg="modSp new mod">
-        <pc:chgData name="Carroll, Claudia" userId="5513adb2-3315-47c6-853b-61e74126e783" providerId="ADAL" clId="{FB075658-0DC1-4C4F-B825-059DFA9E62B3}" dt="2024-01-26T18:13:07.499" v="491" actId="20577"/>
-        <pc:sldMkLst>
-          <pc:docMk/>
-          <pc:sldMk cId="4155761544" sldId="287"/>
-        </pc:sldMkLst>
-        <pc:spChg chg="mod">
-          <ac:chgData name="Carroll, Claudia" userId="5513adb2-3315-47c6-853b-61e74126e783" providerId="ADAL" clId="{FB075658-0DC1-4C4F-B825-059DFA9E62B3}" dt="2024-01-26T18:13:07.499" v="491" actId="20577"/>
-          <ac:spMkLst>
-            <pc:docMk/>
-            <pc:sldMk cId="4155761544" sldId="287"/>
-            <ac:spMk id="2" creationId="{90170163-26B1-0710-1A4E-0E14077C4A6D}"/>
-          </ac:spMkLst>
-        </pc:spChg>
-        <pc:spChg chg="mod">
-          <ac:chgData name="Carroll, Claudia" userId="5513adb2-3315-47c6-853b-61e74126e783" providerId="ADAL" clId="{FB075658-0DC1-4C4F-B825-059DFA9E62B3}" dt="2024-01-26T18:11:16.954" v="188" actId="122"/>
-          <ac:spMkLst>
-            <pc:docMk/>
-            <pc:sldMk cId="4155761544" sldId="287"/>
-            <ac:spMk id="3" creationId="{B54606DD-D6EC-D70C-7B82-5659099E459B}"/>
-          </ac:spMkLst>
-        </pc:spChg>
-      </pc:sldChg>
-    </pc:docChg>
-  </pc:docChgLst>
-  <pc:docChgLst>
-    <pc:chgData name="Carroll, Claudia" userId="S::claudiac@wustl.edu::5513adb2-3315-47c6-853b-61e74126e783" providerId="AD" clId="Web-{7CB46537-C683-195A-73A2-43EF4837049F}"/>
-    <pc:docChg chg="modSld">
-      <pc:chgData name="Carroll, Claudia" userId="S::claudiac@wustl.edu::5513adb2-3315-47c6-853b-61e74126e783" providerId="AD" clId="Web-{7CB46537-C683-195A-73A2-43EF4837049F}" dt="2024-01-24T17:43:39.059" v="40" actId="20577"/>
-      <pc:docMkLst>
-        <pc:docMk/>
-      </pc:docMkLst>
-      <pc:sldChg chg="modSp">
-        <pc:chgData name="Carroll, Claudia" userId="S::claudiac@wustl.edu::5513adb2-3315-47c6-853b-61e74126e783" providerId="AD" clId="Web-{7CB46537-C683-195A-73A2-43EF4837049F}" dt="2024-01-24T17:43:39.059" v="40" actId="20577"/>
-        <pc:sldMkLst>
-          <pc:docMk/>
-          <pc:sldMk cId="3839357258" sldId="268"/>
-        </pc:sldMkLst>
-        <pc:spChg chg="mod">
-          <ac:chgData name="Carroll, Claudia" userId="S::claudiac@wustl.edu::5513adb2-3315-47c6-853b-61e74126e783" providerId="AD" clId="Web-{7CB46537-C683-195A-73A2-43EF4837049F}" dt="2024-01-24T17:43:39.059" v="40" actId="20577"/>
-          <ac:spMkLst>
-            <pc:docMk/>
-            <pc:sldMk cId="3839357258" sldId="268"/>
-            <ac:spMk id="3" creationId="{13B6A96C-8D86-7F21-3DA5-4A818CE6C4D6}"/>
-          </ac:spMkLst>
-        </pc:spChg>
-      </pc:sldChg>
-      <pc:sldChg chg="modSp">
-        <pc:chgData name="Carroll, Claudia" userId="S::claudiac@wustl.edu::5513adb2-3315-47c6-853b-61e74126e783" providerId="AD" clId="Web-{7CB46537-C683-195A-73A2-43EF4837049F}" dt="2024-01-24T17:21:17.779" v="5"/>
-        <pc:sldMkLst>
-          <pc:docMk/>
-          <pc:sldMk cId="913908910" sldId="273"/>
-        </pc:sldMkLst>
-        <pc:graphicFrameChg chg="mod modGraphic">
-          <ac:chgData name="Carroll, Claudia" userId="S::claudiac@wustl.edu::5513adb2-3315-47c6-853b-61e74126e783" providerId="AD" clId="Web-{7CB46537-C683-195A-73A2-43EF4837049F}" dt="2024-01-24T17:21:17.779" v="5"/>
-          <ac:graphicFrameMkLst>
-            <pc:docMk/>
-            <pc:sldMk cId="913908910" sldId="273"/>
-            <ac:graphicFrameMk id="6" creationId="{5910F0D5-172E-18F7-5422-5D3DAE5AC9DE}"/>
-          </ac:graphicFrameMkLst>
-        </pc:graphicFrameChg>
-      </pc:sldChg>
-      <pc:sldChg chg="modSp">
-        <pc:chgData name="Carroll, Claudia" userId="S::claudiac@wustl.edu::5513adb2-3315-47c6-853b-61e74126e783" providerId="AD" clId="Web-{7CB46537-C683-195A-73A2-43EF4837049F}" dt="2024-01-24T17:27:59.199" v="11" actId="20577"/>
-        <pc:sldMkLst>
-          <pc:docMk/>
-          <pc:sldMk cId="702624774" sldId="282"/>
-        </pc:sldMkLst>
-        <pc:spChg chg="mod">
-          <ac:chgData name="Carroll, Claudia" userId="S::claudiac@wustl.edu::5513adb2-3315-47c6-853b-61e74126e783" providerId="AD" clId="Web-{7CB46537-C683-195A-73A2-43EF4837049F}" dt="2024-01-24T17:27:59.199" v="11" actId="20577"/>
-          <ac:spMkLst>
-            <pc:docMk/>
-            <pc:sldMk cId="702624774" sldId="282"/>
-            <ac:spMk id="3" creationId="{C9601FBB-18F9-B52B-A114-C2E4BF8D9678}"/>
-          </ac:spMkLst>
-        </pc:spChg>
-      </pc:sldChg>
-      <pc:sldChg chg="modSp">
-        <pc:chgData name="Carroll, Claudia" userId="S::claudiac@wustl.edu::5513adb2-3315-47c6-853b-61e74126e783" providerId="AD" clId="Web-{7CB46537-C683-195A-73A2-43EF4837049F}" dt="2024-01-24T17:42:37.150" v="33" actId="20577"/>
-        <pc:sldMkLst>
-          <pc:docMk/>
-          <pc:sldMk cId="3143217917" sldId="286"/>
-        </pc:sldMkLst>
-        <pc:spChg chg="mod">
-          <ac:chgData name="Carroll, Claudia" userId="S::claudiac@wustl.edu::5513adb2-3315-47c6-853b-61e74126e783" providerId="AD" clId="Web-{7CB46537-C683-195A-73A2-43EF4837049F}" dt="2024-01-24T17:42:37.150" v="33" actId="20577"/>
-          <ac:spMkLst>
-            <pc:docMk/>
-            <pc:sldMk cId="3143217917" sldId="286"/>
-            <ac:spMk id="2" creationId="{C3B60153-31EE-EE67-6EBC-192E9EE7A238}"/>
-          </ac:spMkLst>
-        </pc:spChg>
-      </pc:sldChg>
-    </pc:docChg>
-  </pc:docChgLst>
-</pc:chgInfo>
+<file path=ppt/revisionInfo.xml><?xml version="1.0" encoding="utf-8"?>
+<p1510:revInfo xmlns:a="http://schemas.openxmlformats.org/drawingml/2006/main" xmlns:r="http://schemas.openxmlformats.org/officeDocument/2006/relationships" xmlns:p1510="http://schemas.microsoft.com/office/powerpoint/2015/10/main">
+  <p1510:revLst>
+    <p1510:client id="{5A1DE1B8-E078-4A5A-60FB-14AD0CA7D56B}" v="29" dt="2024-01-29T03:57:31.268"/>
+    <p1510:client id="{ACB0D4A4-9443-A30F-CD8D-A89BD93B26B1}" v="13" dt="2024-01-29T06:07:05.444"/>
+  </p1510:revLst>
+</p1510:revInfo>
 </file>
 
 <file path=ppt/notesMasters/notesMaster1.xml><?xml version="1.0" encoding="utf-8"?>
@@ -921,7 +228,7 @@
           <a:p>
             <a:fld id="{41E3AD09-9720-9047-BB14-484CD98DBB2F}" type="datetimeFigureOut">
               <a:rPr lang="en-US" smtClean="0"/>
-              <a:t>1/26/24</a:t>
+              <a:t>1/28/2024</a:t>
             </a:fld>
             <a:endParaRPr lang="en-US"/>
           </a:p>
@@ -3988,7 +3295,12 @@
             <p:ph type="title"/>
           </p:nvPr>
         </p:nvSpPr>
-        <p:spPr/>
+        <p:spPr>
+          <a:xfrm>
+            <a:off x="493889" y="485707"/>
+            <a:ext cx="7237465" cy="980194"/>
+          </a:xfrm>
+        </p:spPr>
         <p:txBody>
           <a:bodyPr/>
           <a:lstStyle/>
@@ -4127,7 +3439,7 @@
               </a:rPr>
               <a:t>Mac or Windows users: </a:t>
             </a:r>
-            <a:endParaRPr lang="en-US" sz="1800" b="1">
+            <a:endParaRPr lang="en-US" sz="1800" b="1" dirty="0">
               <a:solidFill>
                 <a:srgbClr val="000000"/>
               </a:solidFill>
@@ -4166,7 +3478,7 @@
               </a:rPr>
               <a:t> and </a:t>
             </a:r>
-            <a:endParaRPr lang="en-US" sz="1800">
+            <a:endParaRPr lang="en-US" sz="1800" dirty="0">
               <a:solidFill>
                 <a:srgbClr val="000000"/>
               </a:solidFill>
@@ -4252,7 +3564,7 @@
               <a:t> </a:t>
             </a:r>
             <a:r>
-              <a:rPr lang="en-US" sz="1800" err="1">
+              <a:rPr lang="en-US" sz="1800" dirty="0" err="1">
                 <a:solidFill>
                   <a:srgbClr val="DB0B0B"/>
                 </a:solidFill>
@@ -4271,7 +3583,7 @@
               </a:rPr>
               <a:t> apt-get install python3.10</a:t>
             </a:r>
-            <a:endParaRPr lang="en-US" sz="1800">
+            <a:endParaRPr lang="en-US" sz="1800" dirty="0">
               <a:solidFill>
                 <a:srgbClr val="000000"/>
               </a:solidFill>
@@ -4351,7 +3663,7 @@
               </a:rPr>
               <a:t> then try the install again</a:t>
             </a:r>
-            <a:endParaRPr lang="en-US" sz="1800">
+            <a:endParaRPr lang="en-US" sz="1800" dirty="0">
               <a:solidFill>
                 <a:srgbClr val="000000"/>
               </a:solidFill>
@@ -4446,2044 +3758,6 @@
     <p:extLst>
       <p:ext uri="{BB962C8B-B14F-4D97-AF65-F5344CB8AC3E}">
         <p14:creationId xmlns:p14="http://schemas.microsoft.com/office/powerpoint/2010/main" val="3172886506"/>
-      </p:ext>
-    </p:extLst>
-  </p:cSld>
-  <p:clrMapOvr>
-    <a:masterClrMapping/>
-  </p:clrMapOvr>
-</p:sld>
-</file>
-
-<file path=ppt/slides/slide13.xml><?xml version="1.0" encoding="utf-8"?>
-<p:sld xmlns:a="http://schemas.openxmlformats.org/drawingml/2006/main" xmlns:r="http://schemas.openxmlformats.org/officeDocument/2006/relationships" xmlns:p="http://schemas.openxmlformats.org/presentationml/2006/main">
-  <p:cSld>
-    <p:spTree>
-      <p:nvGrpSpPr>
-        <p:cNvPr id="1" name=""/>
-        <p:cNvGrpSpPr/>
-        <p:nvPr/>
-      </p:nvGrpSpPr>
-      <p:grpSpPr>
-        <a:xfrm>
-          <a:off x="0" y="0"/>
-          <a:ext cx="0" cy="0"/>
-          <a:chOff x="0" y="0"/>
-          <a:chExt cx="0" cy="0"/>
-        </a:xfrm>
-      </p:grpSpPr>
-      <p:sp>
-        <p:nvSpPr>
-          <p:cNvPr id="2" name="Title 1">
-            <a:extLst>
-              <a:ext uri="{FF2B5EF4-FFF2-40B4-BE49-F238E27FC236}">
-                <a16:creationId xmlns:a16="http://schemas.microsoft.com/office/drawing/2014/main" id="{B5CBAC11-D9A7-0643-0090-C995011555CF}"/>
-              </a:ext>
-            </a:extLst>
-          </p:cNvPr>
-          <p:cNvSpPr>
-            <a:spLocks noGrp="1"/>
-          </p:cNvSpPr>
-          <p:nvPr>
-            <p:ph type="ctrTitle"/>
-          </p:nvPr>
-        </p:nvSpPr>
-        <p:spPr/>
-        <p:txBody>
-          <a:bodyPr/>
-          <a:lstStyle/>
-          <a:p>
-            <a:r>
-              <a:rPr lang="en-US" dirty="0">
-                <a:cs typeface="Calibri Light"/>
-              </a:rPr>
-              <a:t>Python: Basic Terms and Concept</a:t>
-            </a:r>
-            <a:endParaRPr lang="en-US" dirty="0"/>
-          </a:p>
-        </p:txBody>
-      </p:sp>
-    </p:spTree>
-    <p:extLst>
-      <p:ext uri="{BB962C8B-B14F-4D97-AF65-F5344CB8AC3E}">
-        <p14:creationId xmlns:p14="http://schemas.microsoft.com/office/powerpoint/2010/main" val="2247768815"/>
-      </p:ext>
-    </p:extLst>
-  </p:cSld>
-  <p:clrMapOvr>
-    <a:masterClrMapping/>
-  </p:clrMapOvr>
-</p:sld>
-</file>
-
-<file path=ppt/slides/slide14.xml><?xml version="1.0" encoding="utf-8"?>
-<p:sld xmlns:a="http://schemas.openxmlformats.org/drawingml/2006/main" xmlns:r="http://schemas.openxmlformats.org/officeDocument/2006/relationships" xmlns:p="http://schemas.openxmlformats.org/presentationml/2006/main">
-  <p:cSld>
-    <p:spTree>
-      <p:nvGrpSpPr>
-        <p:cNvPr id="1" name=""/>
-        <p:cNvGrpSpPr/>
-        <p:nvPr/>
-      </p:nvGrpSpPr>
-      <p:grpSpPr>
-        <a:xfrm>
-          <a:off x="0" y="0"/>
-          <a:ext cx="0" cy="0"/>
-          <a:chOff x="0" y="0"/>
-          <a:chExt cx="0" cy="0"/>
-        </a:xfrm>
-      </p:grpSpPr>
-      <p:sp>
-        <p:nvSpPr>
-          <p:cNvPr id="2" name="Title 1">
-            <a:extLst>
-              <a:ext uri="{FF2B5EF4-FFF2-40B4-BE49-F238E27FC236}">
-                <a16:creationId xmlns:a16="http://schemas.microsoft.com/office/drawing/2014/main" id="{F10936FC-91BC-6F18-E4B0-10EF4EB1AAF7}"/>
-              </a:ext>
-            </a:extLst>
-          </p:cNvPr>
-          <p:cNvSpPr>
-            <a:spLocks noGrp="1"/>
-          </p:cNvSpPr>
-          <p:nvPr>
-            <p:ph type="title"/>
-          </p:nvPr>
-        </p:nvSpPr>
-        <p:spPr/>
-        <p:txBody>
-          <a:bodyPr/>
-          <a:lstStyle/>
-          <a:p>
-            <a:pPr algn="ctr"/>
-            <a:r>
-              <a:rPr lang="en-US" dirty="0">
-                <a:solidFill>
-                  <a:srgbClr val="000000"/>
-                </a:solidFill>
-                <a:cs typeface="Calibri Light"/>
-              </a:rPr>
-              <a:t>Python Syntax</a:t>
-            </a:r>
-            <a:endParaRPr lang="en-US">
-              <a:solidFill>
-                <a:srgbClr val="000000"/>
-              </a:solidFill>
-            </a:endParaRPr>
-          </a:p>
-        </p:txBody>
-      </p:sp>
-      <p:sp>
-        <p:nvSpPr>
-          <p:cNvPr id="3" name="Content Placeholder 2">
-            <a:extLst>
-              <a:ext uri="{FF2B5EF4-FFF2-40B4-BE49-F238E27FC236}">
-                <a16:creationId xmlns:a16="http://schemas.microsoft.com/office/drawing/2014/main" id="{19BF0F97-5BAA-06CC-A512-D46EC0C17E37}"/>
-              </a:ext>
-            </a:extLst>
-          </p:cNvPr>
-          <p:cNvSpPr>
-            <a:spLocks noGrp="1"/>
-          </p:cNvSpPr>
-          <p:nvPr>
-            <p:ph idx="1"/>
-          </p:nvPr>
-        </p:nvSpPr>
-        <p:spPr/>
-        <p:txBody>
-          <a:bodyPr vert="horz" lIns="68580" tIns="34290" rIns="68580" bIns="34290" rtlCol="0" anchor="t">
-            <a:noAutofit/>
-          </a:bodyPr>
-          <a:lstStyle/>
-          <a:p>
-            <a:pPr marL="0" indent="0">
-              <a:buNone/>
-            </a:pPr>
-            <a:r>
-              <a:rPr lang="en-US" sz="2000" b="1" dirty="0">
-                <a:solidFill>
-                  <a:srgbClr val="C00000"/>
-                </a:solidFill>
-                <a:latin typeface="Times New Roman"/>
-                <a:ea typeface="Montserrat"/>
-                <a:cs typeface="Montserrat"/>
-              </a:rPr>
-              <a:t>Indentation</a:t>
-            </a:r>
-            <a:r>
-              <a:rPr lang="en-US" sz="2000" b="1" dirty="0">
-                <a:solidFill>
-                  <a:schemeClr val="tx1"/>
-                </a:solidFill>
-                <a:latin typeface="Times New Roman"/>
-                <a:ea typeface="Montserrat"/>
-                <a:cs typeface="Montserrat"/>
-              </a:rPr>
-              <a:t>: </a:t>
-            </a:r>
-            <a:endParaRPr lang="en-US" sz="2000">
-              <a:solidFill>
-                <a:schemeClr val="tx1"/>
-              </a:solidFill>
-              <a:latin typeface="Times New Roman"/>
-            </a:endParaRPr>
-          </a:p>
-          <a:p>
-            <a:pPr>
-              <a:buChar char="•"/>
-            </a:pPr>
-            <a:r>
-              <a:rPr lang="en-US" sz="2000" dirty="0">
-                <a:solidFill>
-                  <a:schemeClr val="tx1"/>
-                </a:solidFill>
-                <a:latin typeface="Times New Roman"/>
-                <a:ea typeface="Montserrat"/>
-                <a:cs typeface="Montserrat"/>
-              </a:rPr>
-              <a:t>Improves readability</a:t>
-            </a:r>
-          </a:p>
-          <a:p>
-            <a:pPr>
-              <a:buChar char="•"/>
-            </a:pPr>
-            <a:r>
-              <a:rPr lang="en-US" sz="2000" dirty="0">
-                <a:solidFill>
-                  <a:schemeClr val="tx1"/>
-                </a:solidFill>
-                <a:latin typeface="Times New Roman"/>
-                <a:ea typeface="Montserrat"/>
-                <a:cs typeface="Montserrat"/>
-              </a:rPr>
-              <a:t>Affects how code is interpreted and executed</a:t>
-            </a:r>
-          </a:p>
-          <a:p>
-            <a:pPr>
-              <a:buChar char="•"/>
-            </a:pPr>
-            <a:r>
-              <a:rPr lang="en-US" sz="2000" dirty="0">
-                <a:solidFill>
-                  <a:schemeClr val="tx1"/>
-                </a:solidFill>
-                <a:latin typeface="Times New Roman"/>
-                <a:ea typeface="Montserrat"/>
-                <a:cs typeface="Montserrat"/>
-              </a:rPr>
-              <a:t>Especially crucial for control flow structures (loops and conditionals)</a:t>
-            </a:r>
-          </a:p>
-          <a:p>
-            <a:pPr marL="0" indent="0">
-              <a:buNone/>
-            </a:pPr>
-            <a:br>
-              <a:rPr lang="en-US" sz="2000" b="1" dirty="0">
-                <a:solidFill>
-                  <a:schemeClr val="tx1"/>
-                </a:solidFill>
-                <a:latin typeface="Times New Roman"/>
-                <a:ea typeface="Montserrat"/>
-                <a:cs typeface="Montserrat"/>
-              </a:rPr>
-            </a:br>
-            <a:r>
-              <a:rPr lang="en-US" sz="2000" b="1" dirty="0">
-                <a:solidFill>
-                  <a:srgbClr val="C00000"/>
-                </a:solidFill>
-                <a:latin typeface="Times New Roman"/>
-                <a:ea typeface="Montserrat"/>
-                <a:cs typeface="Montserrat"/>
-              </a:rPr>
-              <a:t>Case sensitive</a:t>
-            </a:r>
-            <a:r>
-              <a:rPr lang="en-US" sz="2000" b="1" dirty="0">
-                <a:solidFill>
-                  <a:schemeClr val="tx1"/>
-                </a:solidFill>
-                <a:latin typeface="Times New Roman"/>
-                <a:ea typeface="Montserrat"/>
-                <a:cs typeface="Montserrat"/>
-              </a:rPr>
-              <a:t>:</a:t>
-            </a:r>
-            <a:r>
-              <a:rPr lang="en-US" sz="2000" dirty="0">
-                <a:solidFill>
-                  <a:schemeClr val="tx1"/>
-                </a:solidFill>
-                <a:latin typeface="Times New Roman"/>
-                <a:ea typeface="Montserrat"/>
-                <a:cs typeface="Montserrat"/>
-              </a:rPr>
-              <a:t> </a:t>
-            </a:r>
-          </a:p>
-          <a:p>
-            <a:r>
-              <a:rPr lang="en-US" sz="2000" dirty="0">
-                <a:solidFill>
-                  <a:schemeClr val="tx1"/>
-                </a:solidFill>
-                <a:latin typeface="Times New Roman"/>
-                <a:ea typeface="Montserrat"/>
-                <a:cs typeface="Montserrat"/>
-              </a:rPr>
-              <a:t>Python treats </a:t>
-            </a:r>
-            <a:r>
-              <a:rPr lang="en-US" sz="2000" b="1" dirty="0">
-                <a:solidFill>
-                  <a:schemeClr val="tx1"/>
-                </a:solidFill>
-                <a:latin typeface="Times New Roman"/>
-                <a:ea typeface="Montserrat"/>
-                <a:cs typeface="Montserrat"/>
-              </a:rPr>
-              <a:t>name</a:t>
-            </a:r>
-            <a:r>
-              <a:rPr lang="en-US" sz="2000" dirty="0">
-                <a:solidFill>
-                  <a:schemeClr val="tx1"/>
-                </a:solidFill>
-                <a:latin typeface="Times New Roman"/>
-                <a:ea typeface="Montserrat"/>
-                <a:cs typeface="Montserrat"/>
-              </a:rPr>
-              <a:t> and </a:t>
-            </a:r>
-            <a:r>
-              <a:rPr lang="en-US" sz="2000" b="1" dirty="0">
-                <a:solidFill>
-                  <a:schemeClr val="tx1"/>
-                </a:solidFill>
-                <a:latin typeface="Times New Roman"/>
-                <a:ea typeface="Montserrat"/>
-                <a:cs typeface="Montserrat"/>
-              </a:rPr>
-              <a:t>Name</a:t>
-            </a:r>
-            <a:r>
-              <a:rPr lang="en-US" sz="2000" dirty="0">
-                <a:solidFill>
-                  <a:schemeClr val="tx1"/>
-                </a:solidFill>
-                <a:latin typeface="Times New Roman"/>
-                <a:ea typeface="Montserrat"/>
-                <a:cs typeface="Montserrat"/>
-              </a:rPr>
-              <a:t> as two different things</a:t>
-            </a:r>
-            <a:endParaRPr lang="en-US" dirty="0">
-              <a:solidFill>
-                <a:schemeClr val="tx1"/>
-              </a:solidFill>
-              <a:ea typeface="Montserrat"/>
-            </a:endParaRPr>
-          </a:p>
-          <a:p>
-            <a:r>
-              <a:rPr lang="en-US" sz="2000" dirty="0">
-                <a:solidFill>
-                  <a:schemeClr val="tx1"/>
-                </a:solidFill>
-                <a:latin typeface="Times New Roman"/>
-                <a:ea typeface="Montserrat"/>
-                <a:cs typeface="Montserrat"/>
-              </a:rPr>
-              <a:t>Built-in keywords (like </a:t>
-            </a:r>
-            <a:r>
-              <a:rPr lang="en-US" sz="2000" b="1" dirty="0">
-                <a:solidFill>
-                  <a:schemeClr val="tx1"/>
-                </a:solidFill>
-                <a:latin typeface="Times New Roman"/>
-                <a:ea typeface="Montserrat"/>
-                <a:cs typeface="Montserrat"/>
-              </a:rPr>
-              <a:t>print</a:t>
-            </a:r>
-            <a:r>
-              <a:rPr lang="en-US" sz="2000" dirty="0">
-                <a:solidFill>
-                  <a:schemeClr val="tx1"/>
-                </a:solidFill>
-                <a:latin typeface="Times New Roman"/>
-                <a:ea typeface="Montserrat"/>
-                <a:cs typeface="Montserrat"/>
-              </a:rPr>
-              <a:t>, </a:t>
-            </a:r>
-            <a:r>
-              <a:rPr lang="en-US" sz="2000" b="1" dirty="0">
-                <a:solidFill>
-                  <a:schemeClr val="tx1"/>
-                </a:solidFill>
-                <a:latin typeface="Times New Roman"/>
-                <a:ea typeface="Montserrat"/>
-                <a:cs typeface="Montserrat"/>
-              </a:rPr>
-              <a:t>True</a:t>
-            </a:r>
-            <a:r>
-              <a:rPr lang="en-US" sz="2000" dirty="0">
-                <a:solidFill>
-                  <a:schemeClr val="tx1"/>
-                </a:solidFill>
-                <a:latin typeface="Times New Roman"/>
-                <a:ea typeface="Montserrat"/>
-                <a:cs typeface="Montserrat"/>
-              </a:rPr>
-              <a:t>, and </a:t>
-            </a:r>
-            <a:r>
-              <a:rPr lang="en-US" sz="2000" b="1" dirty="0">
-                <a:solidFill>
-                  <a:schemeClr val="tx1"/>
-                </a:solidFill>
-                <a:latin typeface="Times New Roman"/>
-                <a:ea typeface="Montserrat"/>
-                <a:cs typeface="Montserrat"/>
-              </a:rPr>
-              <a:t>if</a:t>
-            </a:r>
-            <a:r>
-              <a:rPr lang="en-US" sz="2000" dirty="0">
-                <a:solidFill>
-                  <a:schemeClr val="tx1"/>
-                </a:solidFill>
-                <a:latin typeface="Times New Roman"/>
-                <a:ea typeface="Montserrat"/>
-                <a:cs typeface="Montserrat"/>
-              </a:rPr>
-              <a:t>) are also case sensitive</a:t>
-            </a:r>
-            <a:endParaRPr lang="en-US">
-              <a:solidFill>
-                <a:schemeClr val="tx1"/>
-              </a:solidFill>
-            </a:endParaRPr>
-          </a:p>
-          <a:p>
-            <a:pPr marL="0" indent="0">
-              <a:buNone/>
-            </a:pPr>
-            <a:br>
-              <a:rPr lang="en-US" sz="2000" dirty="0">
-                <a:latin typeface="Times New Roman"/>
-              </a:rPr>
-            </a:br>
-            <a:r>
-              <a:rPr lang="en-US" sz="2000" b="1" dirty="0">
-                <a:solidFill>
-                  <a:srgbClr val="C00000"/>
-                </a:solidFill>
-                <a:latin typeface="Times New Roman"/>
-                <a:ea typeface="Montserrat"/>
-                <a:cs typeface="Montserrat"/>
-              </a:rPr>
-              <a:t>Quotation marks</a:t>
-            </a:r>
-            <a:r>
-              <a:rPr lang="en-US" sz="2000" b="1" dirty="0">
-                <a:solidFill>
-                  <a:schemeClr val="tx1"/>
-                </a:solidFill>
-                <a:latin typeface="Times New Roman"/>
-                <a:ea typeface="Montserrat"/>
-                <a:cs typeface="Montserrat"/>
-              </a:rPr>
-              <a:t>:</a:t>
-            </a:r>
-            <a:r>
-              <a:rPr lang="en-US" sz="2000" dirty="0">
-                <a:solidFill>
-                  <a:srgbClr val="C00000"/>
-                </a:solidFill>
-                <a:latin typeface="Times New Roman"/>
-                <a:ea typeface="Montserrat"/>
-                <a:cs typeface="Montserrat"/>
-              </a:rPr>
-              <a:t> </a:t>
-            </a:r>
-          </a:p>
-          <a:p>
-            <a:r>
-              <a:rPr lang="en-US" sz="2000" dirty="0">
-                <a:solidFill>
-                  <a:schemeClr val="tx1"/>
-                </a:solidFill>
-                <a:latin typeface="Times New Roman"/>
-                <a:ea typeface="Montserrat"/>
-                <a:cs typeface="Montserrat"/>
-              </a:rPr>
-              <a:t>used to define and delimit text (strings)</a:t>
-            </a:r>
-            <a:endParaRPr lang="en-US" dirty="0">
-              <a:solidFill>
-                <a:schemeClr val="tx1"/>
-              </a:solidFill>
-            </a:endParaRPr>
-          </a:p>
-          <a:p>
-            <a:r>
-              <a:rPr lang="en-US" sz="2000" dirty="0">
-                <a:solidFill>
-                  <a:schemeClr val="tx1"/>
-                </a:solidFill>
-                <a:latin typeface="Times New Roman"/>
-                <a:ea typeface="Montserrat"/>
-                <a:cs typeface="Montserrat"/>
-              </a:rPr>
-              <a:t>Single ‘ or double “ quotes are both acceptable—choose one and stick with it</a:t>
-            </a:r>
-            <a:endParaRPr lang="en-US" sz="2000" dirty="0">
-              <a:solidFill>
-                <a:schemeClr val="tx1"/>
-              </a:solidFill>
-              <a:latin typeface="Times New Roman"/>
-              <a:ea typeface="Montserrat"/>
-              <a:cs typeface="Calibri" panose="020F0502020204030204"/>
-            </a:endParaRPr>
-          </a:p>
-          <a:p>
-            <a:pPr marL="0" indent="0">
-              <a:buNone/>
-            </a:pPr>
-            <a:endParaRPr lang="en-US" sz="1388" dirty="0">
-              <a:solidFill>
-                <a:srgbClr val="01374D"/>
-              </a:solidFill>
-              <a:latin typeface="Montserrat"/>
-              <a:cs typeface="Calibri"/>
-            </a:endParaRPr>
-          </a:p>
-        </p:txBody>
-      </p:sp>
-    </p:spTree>
-    <p:extLst>
-      <p:ext uri="{BB962C8B-B14F-4D97-AF65-F5344CB8AC3E}">
-        <p14:creationId xmlns:p14="http://schemas.microsoft.com/office/powerpoint/2010/main" val="1063925012"/>
-      </p:ext>
-    </p:extLst>
-  </p:cSld>
-  <p:clrMapOvr>
-    <a:masterClrMapping/>
-  </p:clrMapOvr>
-</p:sld>
-</file>
-
-<file path=ppt/slides/slide15.xml><?xml version="1.0" encoding="utf-8"?>
-<p:sld xmlns:a="http://schemas.openxmlformats.org/drawingml/2006/main" xmlns:r="http://schemas.openxmlformats.org/officeDocument/2006/relationships" xmlns:p="http://schemas.openxmlformats.org/presentationml/2006/main">
-  <p:cSld>
-    <p:spTree>
-      <p:nvGrpSpPr>
-        <p:cNvPr id="1" name=""/>
-        <p:cNvGrpSpPr/>
-        <p:nvPr/>
-      </p:nvGrpSpPr>
-      <p:grpSpPr>
-        <a:xfrm>
-          <a:off x="0" y="0"/>
-          <a:ext cx="0" cy="0"/>
-          <a:chOff x="0" y="0"/>
-          <a:chExt cx="0" cy="0"/>
-        </a:xfrm>
-      </p:grpSpPr>
-      <p:sp>
-        <p:nvSpPr>
-          <p:cNvPr id="2" name="Title 1">
-            <a:extLst>
-              <a:ext uri="{FF2B5EF4-FFF2-40B4-BE49-F238E27FC236}">
-                <a16:creationId xmlns:a16="http://schemas.microsoft.com/office/drawing/2014/main" id="{02F7649D-1216-701F-DDC7-3D654E6CA8B4}"/>
-              </a:ext>
-            </a:extLst>
-          </p:cNvPr>
-          <p:cNvSpPr>
-            <a:spLocks noGrp="1"/>
-          </p:cNvSpPr>
-          <p:nvPr>
-            <p:ph type="title"/>
-          </p:nvPr>
-        </p:nvSpPr>
-        <p:spPr/>
-        <p:txBody>
-          <a:bodyPr/>
-          <a:lstStyle/>
-          <a:p>
-            <a:pPr algn="ctr"/>
-            <a:r>
-              <a:rPr lang="en-US" dirty="0">
-                <a:solidFill>
-                  <a:srgbClr val="000000"/>
-                </a:solidFill>
-                <a:cs typeface="Calibri Light"/>
-              </a:rPr>
-              <a:t>Python Syntax cont.</a:t>
-            </a:r>
-            <a:endParaRPr lang="en-US" dirty="0" err="1">
-              <a:solidFill>
-                <a:srgbClr val="000000"/>
-              </a:solidFill>
-            </a:endParaRPr>
-          </a:p>
-        </p:txBody>
-      </p:sp>
-      <p:sp>
-        <p:nvSpPr>
-          <p:cNvPr id="3" name="Content Placeholder 2">
-            <a:extLst>
-              <a:ext uri="{FF2B5EF4-FFF2-40B4-BE49-F238E27FC236}">
-                <a16:creationId xmlns:a16="http://schemas.microsoft.com/office/drawing/2014/main" id="{FC6F496C-2869-217F-4678-F4A2C39A0FE9}"/>
-              </a:ext>
-            </a:extLst>
-          </p:cNvPr>
-          <p:cNvSpPr>
-            <a:spLocks noGrp="1"/>
-          </p:cNvSpPr>
-          <p:nvPr>
-            <p:ph idx="1"/>
-          </p:nvPr>
-        </p:nvSpPr>
-        <p:spPr/>
-        <p:txBody>
-          <a:bodyPr vert="horz" lIns="68580" tIns="34290" rIns="68580" bIns="34290" rtlCol="0" anchor="t">
-            <a:normAutofit lnSpcReduction="10000"/>
-          </a:bodyPr>
-          <a:lstStyle/>
-          <a:p>
-            <a:pPr marL="0" indent="0">
-              <a:buNone/>
-            </a:pPr>
-            <a:endParaRPr lang="en-US" sz="2400" b="1" dirty="0">
-              <a:solidFill>
-                <a:schemeClr val="tx1"/>
-              </a:solidFill>
-              <a:latin typeface="Times New Roman"/>
-              <a:ea typeface="+mn-lt"/>
-              <a:cs typeface="+mn-lt"/>
-            </a:endParaRPr>
-          </a:p>
-          <a:p>
-            <a:pPr marL="0" indent="0">
-              <a:buNone/>
-            </a:pPr>
-            <a:r>
-              <a:rPr lang="en-US" sz="2000" b="1" dirty="0">
-                <a:solidFill>
-                  <a:srgbClr val="C00000"/>
-                </a:solidFill>
-                <a:latin typeface="Times New Roman"/>
-                <a:ea typeface="+mn-lt"/>
-                <a:cs typeface="+mn-lt"/>
-              </a:rPr>
-              <a:t>Parentheses ( )</a:t>
-            </a:r>
-            <a:r>
-              <a:rPr lang="en-US" sz="2000" b="1" dirty="0">
-                <a:solidFill>
-                  <a:schemeClr val="tx1"/>
-                </a:solidFill>
-                <a:latin typeface="Times New Roman"/>
-                <a:ea typeface="+mn-lt"/>
-                <a:cs typeface="+mn-lt"/>
-              </a:rPr>
-              <a:t>:</a:t>
-            </a:r>
-            <a:r>
-              <a:rPr lang="en-US" sz="2000" dirty="0">
-                <a:solidFill>
-                  <a:schemeClr val="tx1"/>
-                </a:solidFill>
-                <a:latin typeface="Times New Roman"/>
-                <a:ea typeface="+mn-lt"/>
-                <a:cs typeface="+mn-lt"/>
-              </a:rPr>
-              <a:t> </a:t>
-            </a:r>
-            <a:endParaRPr lang="en-US" sz="2000">
-              <a:solidFill>
-                <a:schemeClr val="tx1"/>
-              </a:solidFill>
-              <a:latin typeface="Times New Roman"/>
-            </a:endParaRPr>
-          </a:p>
-          <a:p>
-            <a:r>
-              <a:rPr lang="en-US" sz="2000" dirty="0">
-                <a:solidFill>
-                  <a:schemeClr val="tx1"/>
-                </a:solidFill>
-                <a:latin typeface="Times New Roman"/>
-                <a:ea typeface="+mn-lt"/>
-                <a:cs typeface="+mn-lt"/>
-              </a:rPr>
-              <a:t>used to call and define functions and to define tuples</a:t>
-            </a:r>
-            <a:endParaRPr lang="en-US" sz="2000">
-              <a:solidFill>
-                <a:schemeClr val="tx1"/>
-              </a:solidFill>
-              <a:latin typeface="Times New Roman"/>
-            </a:endParaRPr>
-          </a:p>
-          <a:p>
-            <a:pPr>
-              <a:buFont typeface="Arial"/>
-              <a:buChar char="•"/>
-            </a:pPr>
-            <a:r>
-              <a:rPr lang="en-US" sz="2000" dirty="0">
-                <a:solidFill>
-                  <a:schemeClr val="tx1"/>
-                </a:solidFill>
-                <a:latin typeface="Times New Roman"/>
-                <a:ea typeface="+mn-lt"/>
-                <a:cs typeface="Arial"/>
-              </a:rPr>
-              <a:t>Contain the arguments or parameters of a function</a:t>
-            </a:r>
-          </a:p>
-          <a:p>
-            <a:pPr>
-              <a:buFont typeface="Arial"/>
-              <a:buChar char="•"/>
-            </a:pPr>
-            <a:r>
-              <a:rPr lang="en-US" sz="2000" dirty="0">
-                <a:solidFill>
-                  <a:schemeClr val="tx1"/>
-                </a:solidFill>
-                <a:latin typeface="Times New Roman"/>
-                <a:ea typeface="+mn-lt"/>
-                <a:cs typeface="Arial"/>
-              </a:rPr>
-              <a:t>Also used in math expressions to control order of operations</a:t>
-            </a:r>
-            <a:endParaRPr lang="en-US" sz="2000">
-              <a:solidFill>
-                <a:schemeClr val="tx1"/>
-              </a:solidFill>
-              <a:latin typeface="Times New Roman"/>
-              <a:cs typeface="Calibri" panose="020F0502020204030204"/>
-            </a:endParaRPr>
-          </a:p>
-          <a:p>
-            <a:pPr>
-              <a:buFont typeface="Arial"/>
-              <a:buChar char="•"/>
-            </a:pPr>
-            <a:endParaRPr lang="en-US" sz="2000" dirty="0">
-              <a:solidFill>
-                <a:schemeClr val="tx1"/>
-              </a:solidFill>
-              <a:latin typeface="Times New Roman"/>
-              <a:ea typeface="+mn-lt"/>
-              <a:cs typeface="Arial"/>
-            </a:endParaRPr>
-          </a:p>
-          <a:p>
-            <a:pPr marL="0" indent="0">
-              <a:buNone/>
-            </a:pPr>
-            <a:r>
-              <a:rPr lang="en-US" sz="2000" b="1" dirty="0">
-                <a:solidFill>
-                  <a:srgbClr val="C00000"/>
-                </a:solidFill>
-                <a:latin typeface="Times New Roman"/>
-                <a:ea typeface="+mn-lt"/>
-                <a:cs typeface="+mn-lt"/>
-              </a:rPr>
-              <a:t>Commas , </a:t>
-            </a:r>
-            <a:r>
-              <a:rPr lang="en-US" sz="2000" b="1" dirty="0">
-                <a:solidFill>
-                  <a:schemeClr val="tx1"/>
-                </a:solidFill>
-                <a:latin typeface="Times New Roman"/>
-                <a:ea typeface="+mn-lt"/>
-                <a:cs typeface="+mn-lt"/>
-              </a:rPr>
-              <a:t>: </a:t>
-            </a:r>
-            <a:endParaRPr lang="en-US" sz="2000">
-              <a:solidFill>
-                <a:schemeClr val="tx1"/>
-              </a:solidFill>
-              <a:latin typeface="Times New Roman"/>
-              <a:ea typeface="+mn-lt"/>
-              <a:cs typeface="Calibri"/>
-            </a:endParaRPr>
-          </a:p>
-          <a:p>
-            <a:r>
-              <a:rPr lang="en-US" sz="2000" dirty="0">
-                <a:solidFill>
-                  <a:schemeClr val="tx1"/>
-                </a:solidFill>
-                <a:latin typeface="Times New Roman"/>
-                <a:ea typeface="+mn-lt"/>
-                <a:cs typeface="+mn-lt"/>
-              </a:rPr>
-              <a:t>used to separate elements of data structures like lists, tuples, sets, strings, dictionaries, etc.,  as well as function arguments</a:t>
-            </a:r>
-            <a:endParaRPr lang="en-US" sz="2000">
-              <a:solidFill>
-                <a:schemeClr val="tx1"/>
-              </a:solidFill>
-              <a:latin typeface="Times New Roman"/>
-              <a:cs typeface="Calibri"/>
-            </a:endParaRPr>
-          </a:p>
-          <a:p>
-            <a:pPr marL="0" indent="0">
-              <a:buNone/>
-            </a:pPr>
-            <a:endParaRPr lang="en-US" sz="2000" b="1" dirty="0">
-              <a:solidFill>
-                <a:schemeClr val="tx1"/>
-              </a:solidFill>
-              <a:latin typeface="Times New Roman"/>
-              <a:ea typeface="+mn-lt"/>
-              <a:cs typeface="+mn-lt"/>
-            </a:endParaRPr>
-          </a:p>
-          <a:p>
-            <a:pPr marL="0" indent="0">
-              <a:buNone/>
-            </a:pPr>
-            <a:r>
-              <a:rPr lang="en-US" sz="2000" b="1" dirty="0">
-                <a:solidFill>
-                  <a:srgbClr val="C00000"/>
-                </a:solidFill>
-                <a:latin typeface="Times New Roman"/>
-                <a:ea typeface="+mn-lt"/>
-                <a:cs typeface="+mn-lt"/>
-              </a:rPr>
-              <a:t>Square brackets [ ]</a:t>
-            </a:r>
-            <a:r>
-              <a:rPr lang="en-US" sz="2000" b="1" dirty="0">
-                <a:solidFill>
-                  <a:schemeClr val="tx1"/>
-                </a:solidFill>
-                <a:latin typeface="Times New Roman"/>
-                <a:ea typeface="+mn-lt"/>
-                <a:cs typeface="+mn-lt"/>
-              </a:rPr>
-              <a:t>: </a:t>
-            </a:r>
-            <a:endParaRPr lang="en-US" sz="2000" dirty="0">
-              <a:solidFill>
-                <a:schemeClr val="tx1"/>
-              </a:solidFill>
-              <a:latin typeface="Times New Roman"/>
-              <a:ea typeface="+mn-lt"/>
-              <a:cs typeface="+mn-lt"/>
-            </a:endParaRPr>
-          </a:p>
-          <a:p>
-            <a:r>
-              <a:rPr lang="en-US" sz="2000" dirty="0">
-                <a:solidFill>
-                  <a:schemeClr val="tx1"/>
-                </a:solidFill>
-                <a:latin typeface="Times New Roman"/>
-                <a:ea typeface="+mn-lt"/>
-                <a:cs typeface="+mn-lt"/>
-              </a:rPr>
-              <a:t>defining and accessing lists, as well as performing list operations</a:t>
-            </a:r>
-            <a:br>
-              <a:rPr lang="en-US" dirty="0"/>
-            </a:br>
-            <a:endParaRPr lang="en-US">
-              <a:cs typeface="Calibri" panose="020F0502020204030204"/>
-            </a:endParaRPr>
-          </a:p>
-          <a:p>
-            <a:endParaRPr lang="en-US" sz="1200" dirty="0">
-              <a:solidFill>
-                <a:srgbClr val="01374D"/>
-              </a:solidFill>
-              <a:cs typeface="Calibri"/>
-            </a:endParaRPr>
-          </a:p>
-          <a:p>
-            <a:endParaRPr lang="en-US" sz="1200" dirty="0">
-              <a:solidFill>
-                <a:srgbClr val="01374D"/>
-              </a:solidFill>
-              <a:cs typeface="Calibri"/>
-            </a:endParaRPr>
-          </a:p>
-          <a:p>
-            <a:pPr marL="0" indent="0">
-              <a:buNone/>
-            </a:pPr>
-            <a:endParaRPr lang="en-US" dirty="0">
-              <a:cs typeface="Calibri" panose="020F0502020204030204"/>
-            </a:endParaRPr>
-          </a:p>
-        </p:txBody>
-      </p:sp>
-    </p:spTree>
-    <p:extLst>
-      <p:ext uri="{BB962C8B-B14F-4D97-AF65-F5344CB8AC3E}">
-        <p14:creationId xmlns:p14="http://schemas.microsoft.com/office/powerpoint/2010/main" val="2821551489"/>
-      </p:ext>
-    </p:extLst>
-  </p:cSld>
-  <p:clrMapOvr>
-    <a:masterClrMapping/>
-  </p:clrMapOvr>
-</p:sld>
-</file>
-
-<file path=ppt/slides/slide16.xml><?xml version="1.0" encoding="utf-8"?>
-<p:sld xmlns:a="http://schemas.openxmlformats.org/drawingml/2006/main" xmlns:r="http://schemas.openxmlformats.org/officeDocument/2006/relationships" xmlns:p="http://schemas.openxmlformats.org/presentationml/2006/main">
-  <p:cSld>
-    <p:spTree>
-      <p:nvGrpSpPr>
-        <p:cNvPr id="1" name=""/>
-        <p:cNvGrpSpPr/>
-        <p:nvPr/>
-      </p:nvGrpSpPr>
-      <p:grpSpPr>
-        <a:xfrm>
-          <a:off x="0" y="0"/>
-          <a:ext cx="0" cy="0"/>
-          <a:chOff x="0" y="0"/>
-          <a:chExt cx="0" cy="0"/>
-        </a:xfrm>
-      </p:grpSpPr>
-      <p:sp>
-        <p:nvSpPr>
-          <p:cNvPr id="2" name="Title 1">
-            <a:extLst>
-              <a:ext uri="{FF2B5EF4-FFF2-40B4-BE49-F238E27FC236}">
-                <a16:creationId xmlns:a16="http://schemas.microsoft.com/office/drawing/2014/main" id="{B9D39F5F-3657-DCE3-3903-1419EDD3E3DD}"/>
-              </a:ext>
-            </a:extLst>
-          </p:cNvPr>
-          <p:cNvSpPr>
-            <a:spLocks noGrp="1"/>
-          </p:cNvSpPr>
-          <p:nvPr>
-            <p:ph type="title"/>
-          </p:nvPr>
-        </p:nvSpPr>
-        <p:spPr/>
-        <p:txBody>
-          <a:bodyPr/>
-          <a:lstStyle/>
-          <a:p>
-            <a:pPr algn="ctr"/>
-            <a:r>
-              <a:rPr lang="en-US" dirty="0">
-                <a:solidFill>
-                  <a:srgbClr val="000000"/>
-                </a:solidFill>
-                <a:cs typeface="Calibri Light"/>
-              </a:rPr>
-              <a:t>Variables</a:t>
-            </a:r>
-            <a:endParaRPr lang="en-US" dirty="0">
-              <a:solidFill>
-                <a:srgbClr val="000000"/>
-              </a:solidFill>
-            </a:endParaRPr>
-          </a:p>
-        </p:txBody>
-      </p:sp>
-      <p:pic>
-        <p:nvPicPr>
-          <p:cNvPr id="4" name="Content Placeholder 3" descr="A screen shot of a computer program&#10;&#10;Description automatically generated">
-            <a:extLst>
-              <a:ext uri="{FF2B5EF4-FFF2-40B4-BE49-F238E27FC236}">
-                <a16:creationId xmlns:a16="http://schemas.microsoft.com/office/drawing/2014/main" id="{B25874F8-F0AC-8CE5-BC24-BA589C940D2F}"/>
-              </a:ext>
-            </a:extLst>
-          </p:cNvPr>
-          <p:cNvPicPr>
-            <a:picLocks noGrp="1" noChangeAspect="1"/>
-          </p:cNvPicPr>
-          <p:nvPr>
-            <p:ph idx="1"/>
-          </p:nvPr>
-        </p:nvPicPr>
-        <p:blipFill>
-          <a:blip r:embed="rId2"/>
-          <a:stretch>
-            <a:fillRect/>
-          </a:stretch>
-        </p:blipFill>
-        <p:spPr>
-          <a:xfrm>
-            <a:off x="4133199" y="2275048"/>
-            <a:ext cx="4267460" cy="3228975"/>
-          </a:xfrm>
-        </p:spPr>
-      </p:pic>
-      <p:sp>
-        <p:nvSpPr>
-          <p:cNvPr id="5" name="TextBox 4">
-            <a:extLst>
-              <a:ext uri="{FF2B5EF4-FFF2-40B4-BE49-F238E27FC236}">
-                <a16:creationId xmlns:a16="http://schemas.microsoft.com/office/drawing/2014/main" id="{891BC23B-5848-A776-22EE-7267A96F6DBF}"/>
-              </a:ext>
-            </a:extLst>
-          </p:cNvPr>
-          <p:cNvSpPr txBox="1"/>
-          <p:nvPr/>
-        </p:nvSpPr>
-        <p:spPr>
-          <a:xfrm>
-            <a:off x="665445" y="2274257"/>
-            <a:ext cx="3092363" cy="3023905"/>
-          </a:xfrm>
-          <a:prstGeom prst="rect">
-            <a:avLst/>
-          </a:prstGeom>
-          <a:noFill/>
-        </p:spPr>
-        <p:txBody>
-          <a:bodyPr rot="0" spcFirstLastPara="0" vertOverflow="overflow" horzOverflow="overflow" vert="horz" wrap="square" lIns="68580" tIns="34290" rIns="68580" bIns="34290" numCol="1" spcCol="0" rtlCol="0" fromWordArt="0" anchor="t" anchorCtr="0" forceAA="0" compatLnSpc="1">
-            <a:prstTxWarp prst="textNoShape">
-              <a:avLst/>
-            </a:prstTxWarp>
-            <a:spAutoFit/>
-          </a:bodyPr>
-          <a:lstStyle/>
-          <a:p>
-            <a:pPr marL="213995" indent="-213995">
-              <a:buFont typeface="Arial"/>
-              <a:buChar char="•"/>
-            </a:pPr>
-            <a:r>
-              <a:rPr lang="en-US" sz="2400" dirty="0">
-                <a:latin typeface="Times New Roman"/>
-                <a:cs typeface="Calibri" panose="020F0502020204030204"/>
-              </a:rPr>
-              <a:t>Used to store data</a:t>
-            </a:r>
-          </a:p>
-          <a:p>
-            <a:pPr marL="213995" indent="-213995">
-              <a:buFont typeface="Arial"/>
-              <a:buChar char="•"/>
-            </a:pPr>
-            <a:endParaRPr lang="en-US" sz="2400" dirty="0">
-              <a:latin typeface="Times New Roman"/>
-              <a:cs typeface="Calibri" panose="020F0502020204030204"/>
-            </a:endParaRPr>
-          </a:p>
-          <a:p>
-            <a:pPr marL="213995" indent="-213995">
-              <a:buFont typeface="Arial"/>
-              <a:buChar char="•"/>
-            </a:pPr>
-            <a:r>
-              <a:rPr lang="en-US" sz="2400" dirty="0">
-                <a:latin typeface="Times New Roman"/>
-                <a:cs typeface="Calibri" panose="020F0502020204030204"/>
-              </a:rPr>
-              <a:t>Different data types can be assigned to variables</a:t>
-            </a:r>
-          </a:p>
-          <a:p>
-            <a:pPr marL="213995" indent="-213995">
-              <a:buFont typeface="Arial"/>
-              <a:buChar char="•"/>
-            </a:pPr>
-            <a:endParaRPr lang="en-US" sz="2400" dirty="0">
-              <a:latin typeface="Times New Roman"/>
-              <a:cs typeface="Calibri" panose="020F0502020204030204"/>
-            </a:endParaRPr>
-          </a:p>
-          <a:p>
-            <a:pPr marL="213995" indent="-213995">
-              <a:buFont typeface="Arial"/>
-              <a:buChar char="•"/>
-            </a:pPr>
-            <a:r>
-              <a:rPr lang="en-US" sz="2400" dirty="0">
-                <a:latin typeface="Times New Roman"/>
-                <a:cs typeface="Calibri" panose="020F0502020204030204"/>
-              </a:rPr>
-              <a:t>Variables are used within code</a:t>
-            </a:r>
-          </a:p>
-        </p:txBody>
-      </p:sp>
-    </p:spTree>
-    <p:extLst>
-      <p:ext uri="{BB962C8B-B14F-4D97-AF65-F5344CB8AC3E}">
-        <p14:creationId xmlns:p14="http://schemas.microsoft.com/office/powerpoint/2010/main" val="3570399089"/>
-      </p:ext>
-    </p:extLst>
-  </p:cSld>
-  <p:clrMapOvr>
-    <a:masterClrMapping/>
-  </p:clrMapOvr>
-</p:sld>
-</file>
-
-<file path=ppt/slides/slide17.xml><?xml version="1.0" encoding="utf-8"?>
-<p:sld xmlns:a="http://schemas.openxmlformats.org/drawingml/2006/main" xmlns:r="http://schemas.openxmlformats.org/officeDocument/2006/relationships" xmlns:p="http://schemas.openxmlformats.org/presentationml/2006/main">
-  <p:cSld>
-    <p:spTree>
-      <p:nvGrpSpPr>
-        <p:cNvPr id="1" name=""/>
-        <p:cNvGrpSpPr/>
-        <p:nvPr/>
-      </p:nvGrpSpPr>
-      <p:grpSpPr>
-        <a:xfrm>
-          <a:off x="0" y="0"/>
-          <a:ext cx="0" cy="0"/>
-          <a:chOff x="0" y="0"/>
-          <a:chExt cx="0" cy="0"/>
-        </a:xfrm>
-      </p:grpSpPr>
-      <p:sp>
-        <p:nvSpPr>
-          <p:cNvPr id="2" name="Title 1">
-            <a:extLst>
-              <a:ext uri="{FF2B5EF4-FFF2-40B4-BE49-F238E27FC236}">
-                <a16:creationId xmlns:a16="http://schemas.microsoft.com/office/drawing/2014/main" id="{70659ADD-6D61-5771-1643-9A1D2741B771}"/>
-              </a:ext>
-            </a:extLst>
-          </p:cNvPr>
-          <p:cNvSpPr>
-            <a:spLocks noGrp="1"/>
-          </p:cNvSpPr>
-          <p:nvPr>
-            <p:ph type="title"/>
-          </p:nvPr>
-        </p:nvSpPr>
-        <p:spPr/>
-        <p:txBody>
-          <a:bodyPr/>
-          <a:lstStyle/>
-          <a:p>
-            <a:pPr algn="ctr"/>
-            <a:r>
-              <a:rPr lang="en-US" dirty="0">
-                <a:solidFill>
-                  <a:srgbClr val="000000"/>
-                </a:solidFill>
-                <a:cs typeface="Calibri Light"/>
-              </a:rPr>
-              <a:t>Python Main Data Types</a:t>
-            </a:r>
-            <a:endParaRPr lang="en-US" dirty="0">
-              <a:solidFill>
-                <a:srgbClr val="000000"/>
-              </a:solidFill>
-            </a:endParaRPr>
-          </a:p>
-        </p:txBody>
-      </p:sp>
-      <p:graphicFrame>
-        <p:nvGraphicFramePr>
-          <p:cNvPr id="6" name="Content Placeholder 5">
-            <a:extLst>
-              <a:ext uri="{FF2B5EF4-FFF2-40B4-BE49-F238E27FC236}">
-                <a16:creationId xmlns:a16="http://schemas.microsoft.com/office/drawing/2014/main" id="{5910F0D5-172E-18F7-5422-5D3DAE5AC9DE}"/>
-              </a:ext>
-            </a:extLst>
-          </p:cNvPr>
-          <p:cNvGraphicFramePr>
-            <a:graphicFrameLocks noGrp="1"/>
-          </p:cNvGraphicFramePr>
-          <p:nvPr>
-            <p:ph idx="1"/>
-            <p:extLst>
-              <p:ext uri="{D42A27DB-BD31-4B8C-83A1-F6EECF244321}">
-                <p14:modId xmlns:p14="http://schemas.microsoft.com/office/powerpoint/2010/main" val="618692745"/>
-              </p:ext>
-            </p:extLst>
-          </p:nvPr>
-        </p:nvGraphicFramePr>
-        <p:xfrm>
-          <a:off x="628651" y="2226469"/>
-          <a:ext cx="7886700" cy="2694940"/>
-        </p:xfrm>
-        <a:graphic>
-          <a:graphicData uri="http://schemas.openxmlformats.org/drawingml/2006/table">
-            <a:tbl>
-              <a:tblPr firstRow="1" bandRow="1">
-                <a:tableStyleId>{5C22544A-7EE6-4342-B048-85BDC9FD1C3A}</a:tableStyleId>
-              </a:tblPr>
-              <a:tblGrid>
-                <a:gridCol w="2599151">
-                  <a:extLst>
-                    <a:ext uri="{9D8B030D-6E8A-4147-A177-3AD203B41FA5}">
-                      <a16:colId xmlns:a16="http://schemas.microsoft.com/office/drawing/2014/main" val="694360069"/>
-                    </a:ext>
-                  </a:extLst>
-                </a:gridCol>
-                <a:gridCol w="5287549">
-                  <a:extLst>
-                    <a:ext uri="{9D8B030D-6E8A-4147-A177-3AD203B41FA5}">
-                      <a16:colId xmlns:a16="http://schemas.microsoft.com/office/drawing/2014/main" val="3012161221"/>
-                    </a:ext>
-                  </a:extLst>
-                </a:gridCol>
-              </a:tblGrid>
-              <a:tr h="480060">
-                <a:tc>
-                  <a:txBody>
-                    <a:bodyPr/>
-                    <a:lstStyle/>
-                    <a:p>
-                      <a:pPr marL="0" marR="0" lvl="0" indent="0" algn="l">
-                        <a:lnSpc>
-                          <a:spcPct val="90000"/>
-                        </a:lnSpc>
-                        <a:spcBef>
-                          <a:spcPts val="1000"/>
-                        </a:spcBef>
-                        <a:spcAft>
-                          <a:spcPts val="0"/>
-                        </a:spcAft>
-                        <a:buNone/>
-                      </a:pPr>
-                      <a:r>
-                        <a:rPr lang="en-US" sz="1500" b="0" i="0" u="none" strike="noStrike" noProof="0" dirty="0">
-                          <a:solidFill>
-                            <a:srgbClr val="000000"/>
-                          </a:solidFill>
-                          <a:latin typeface="Times New Roman"/>
-                        </a:rPr>
-                        <a:t>Strings</a:t>
-                      </a:r>
-                      <a:br>
-                        <a:rPr lang="en-US" sz="1500" b="0" i="0" u="none" strike="noStrike" noProof="0" dirty="0">
-                          <a:solidFill>
-                            <a:srgbClr val="000000"/>
-                          </a:solidFill>
-                          <a:latin typeface="Times New Roman"/>
-                        </a:rPr>
-                      </a:br>
-                      <a:endParaRPr lang="en-US" sz="1500" b="0" i="0" u="none" strike="noStrike" noProof="0" dirty="0">
-                        <a:solidFill>
-                          <a:srgbClr val="000000"/>
-                        </a:solidFill>
-                        <a:latin typeface="Times New Roman"/>
-                      </a:endParaRPr>
-                    </a:p>
-                  </a:txBody>
-                  <a:tcPr marL="68580" marR="68580" marT="34290" marB="34290">
-                    <a:lnL w="12700">
-                      <a:solidFill>
-                        <a:schemeClr val="tx1"/>
-                      </a:solidFill>
-                    </a:lnL>
-                    <a:lnR w="12700">
-                      <a:solidFill>
-                        <a:schemeClr val="tx1"/>
-                      </a:solidFill>
-                    </a:lnR>
-                    <a:lnT w="12700">
-                      <a:solidFill>
-                        <a:schemeClr val="tx1"/>
-                      </a:solidFill>
-                    </a:lnT>
-                    <a:lnB w="12700">
-                      <a:solidFill>
-                        <a:schemeClr val="tx1"/>
-                      </a:solidFill>
-                    </a:lnB>
-                    <a:solidFill>
-                      <a:schemeClr val="bg1"/>
-                    </a:solidFill>
-                  </a:tcPr>
-                </a:tc>
-                <a:tc>
-                  <a:txBody>
-                    <a:bodyPr/>
-                    <a:lstStyle/>
-                    <a:p>
-                      <a:pPr lvl="0">
-                        <a:buNone/>
-                      </a:pPr>
-                      <a:r>
-                        <a:rPr lang="en-US" sz="1500" b="0" i="0" u="none" strike="noStrike" noProof="0" dirty="0">
-                          <a:solidFill>
-                            <a:srgbClr val="000000"/>
-                          </a:solidFill>
-                          <a:latin typeface="Times New Roman"/>
-                        </a:rPr>
-                        <a:t>"Heuston, we have a problem"</a:t>
-                      </a:r>
-                      <a:endParaRPr lang="en-US" sz="1500" dirty="0">
-                        <a:latin typeface="Times New Roman"/>
-                      </a:endParaRPr>
-                    </a:p>
-                  </a:txBody>
-                  <a:tcPr marL="68580" marR="68580" marT="34290" marB="34290">
-                    <a:lnL w="12700">
-                      <a:solidFill>
-                        <a:schemeClr val="tx1"/>
-                      </a:solidFill>
-                    </a:lnL>
-                    <a:lnR w="12700">
-                      <a:solidFill>
-                        <a:schemeClr val="tx1"/>
-                      </a:solidFill>
-                    </a:lnR>
-                    <a:lnT w="12700">
-                      <a:solidFill>
-                        <a:schemeClr val="tx1"/>
-                      </a:solidFill>
-                    </a:lnT>
-                    <a:lnB w="12700">
-                      <a:solidFill>
-                        <a:schemeClr val="tx1"/>
-                      </a:solidFill>
-                    </a:lnB>
-                    <a:solidFill>
-                      <a:schemeClr val="bg1"/>
-                    </a:solidFill>
-                  </a:tcPr>
-                </a:tc>
-                <a:extLst>
-                  <a:ext uri="{0D108BD9-81ED-4DB2-BD59-A6C34878D82A}">
-                    <a16:rowId xmlns:a16="http://schemas.microsoft.com/office/drawing/2014/main" val="223348898"/>
-                  </a:ext>
-                </a:extLst>
-              </a:tr>
-              <a:tr h="297180">
-                <a:tc>
-                  <a:txBody>
-                    <a:bodyPr/>
-                    <a:lstStyle/>
-                    <a:p>
-                      <a:pPr lvl="0">
-                        <a:buNone/>
-                      </a:pPr>
-                      <a:r>
-                        <a:rPr lang="en-US" sz="1500" b="0" i="0" u="none" strike="noStrike" noProof="0" dirty="0">
-                          <a:solidFill>
-                            <a:srgbClr val="000000"/>
-                          </a:solidFill>
-                          <a:latin typeface="Times New Roman"/>
-                        </a:rPr>
-                        <a:t>Integers</a:t>
-                      </a:r>
-                      <a:endParaRPr lang="en-US" sz="1500">
-                        <a:latin typeface="Times New Roman"/>
-                      </a:endParaRPr>
-                    </a:p>
-                  </a:txBody>
-                  <a:tcPr marL="68580" marR="68580" marT="34290" marB="34290">
-                    <a:lnL w="12700">
-                      <a:solidFill>
-                        <a:schemeClr val="tx1"/>
-                      </a:solidFill>
-                    </a:lnL>
-                    <a:lnR w="12700">
-                      <a:solidFill>
-                        <a:schemeClr val="tx1"/>
-                      </a:solidFill>
-                    </a:lnR>
-                    <a:lnT w="12700">
-                      <a:solidFill>
-                        <a:schemeClr val="tx1"/>
-                      </a:solidFill>
-                    </a:lnT>
-                    <a:lnB w="12700">
-                      <a:solidFill>
-                        <a:schemeClr val="tx1"/>
-                      </a:solidFill>
-                    </a:lnB>
-                    <a:solidFill>
-                      <a:schemeClr val="bg1"/>
-                    </a:solidFill>
-                  </a:tcPr>
-                </a:tc>
-                <a:tc>
-                  <a:txBody>
-                    <a:bodyPr/>
-                    <a:lstStyle/>
-                    <a:p>
-                      <a:pPr lvl="0">
-                        <a:buNone/>
-                      </a:pPr>
-                      <a:r>
-                        <a:rPr lang="en-US" sz="1500" b="0" i="0" u="none" strike="noStrike" noProof="0" dirty="0">
-                          <a:solidFill>
-                            <a:srgbClr val="000000"/>
-                          </a:solidFill>
-                          <a:latin typeface="Times New Roman"/>
-                        </a:rPr>
-                        <a:t>35</a:t>
-                      </a:r>
-                      <a:endParaRPr lang="en-US" sz="1500">
-                        <a:latin typeface="Times New Roman"/>
-                      </a:endParaRPr>
-                    </a:p>
-                  </a:txBody>
-                  <a:tcPr marL="68580" marR="68580" marT="34290" marB="34290">
-                    <a:lnL w="12700">
-                      <a:solidFill>
-                        <a:schemeClr val="tx1"/>
-                      </a:solidFill>
-                    </a:lnL>
-                    <a:lnR w="12700">
-                      <a:solidFill>
-                        <a:schemeClr val="tx1"/>
-                      </a:solidFill>
-                    </a:lnR>
-                    <a:lnT w="12700">
-                      <a:solidFill>
-                        <a:schemeClr val="tx1"/>
-                      </a:solidFill>
-                    </a:lnT>
-                    <a:lnB w="12700">
-                      <a:solidFill>
-                        <a:schemeClr val="tx1"/>
-                      </a:solidFill>
-                    </a:lnB>
-                    <a:solidFill>
-                      <a:schemeClr val="bg1"/>
-                    </a:solidFill>
-                  </a:tcPr>
-                </a:tc>
-                <a:extLst>
-                  <a:ext uri="{0D108BD9-81ED-4DB2-BD59-A6C34878D82A}">
-                    <a16:rowId xmlns:a16="http://schemas.microsoft.com/office/drawing/2014/main" val="4084595030"/>
-                  </a:ext>
-                </a:extLst>
-              </a:tr>
-              <a:tr h="297180">
-                <a:tc>
-                  <a:txBody>
-                    <a:bodyPr/>
-                    <a:lstStyle/>
-                    <a:p>
-                      <a:r>
-                        <a:rPr lang="en-US" sz="1500" dirty="0">
-                          <a:solidFill>
-                            <a:schemeClr val="tx1"/>
-                          </a:solidFill>
-                          <a:latin typeface="Times New Roman"/>
-                        </a:rPr>
-                        <a:t>Floats</a:t>
-                      </a:r>
-                    </a:p>
-                  </a:txBody>
-                  <a:tcPr marL="68580" marR="68580" marT="34290" marB="34290">
-                    <a:lnL w="12700">
-                      <a:solidFill>
-                        <a:schemeClr val="tx1"/>
-                      </a:solidFill>
-                    </a:lnL>
-                    <a:lnR w="12700">
-                      <a:solidFill>
-                        <a:schemeClr val="tx1"/>
-                      </a:solidFill>
-                    </a:lnR>
-                    <a:lnT w="12700">
-                      <a:solidFill>
-                        <a:schemeClr val="tx1"/>
-                      </a:solidFill>
-                    </a:lnT>
-                    <a:lnB w="12700" cap="flat" cmpd="sng" algn="ctr">
-                      <a:solidFill>
-                        <a:schemeClr val="tx1"/>
-                      </a:solidFill>
-                      <a:prstDash val="solid"/>
-                      <a:round/>
-                      <a:headEnd type="none" w="med" len="med"/>
-                      <a:tailEnd type="none" w="med" len="med"/>
-                    </a:lnB>
-                    <a:solidFill>
-                      <a:schemeClr val="bg1"/>
-                    </a:solidFill>
-                  </a:tcPr>
-                </a:tc>
-                <a:tc>
-                  <a:txBody>
-                    <a:bodyPr/>
-                    <a:lstStyle/>
-                    <a:p>
-                      <a:r>
-                        <a:rPr lang="en-US" sz="1500" dirty="0">
-                          <a:solidFill>
-                            <a:schemeClr val="tx1"/>
-                          </a:solidFill>
-                          <a:latin typeface="Times New Roman"/>
-                        </a:rPr>
-                        <a:t>35.6</a:t>
-                      </a:r>
-                    </a:p>
-                  </a:txBody>
-                  <a:tcPr marL="68580" marR="68580" marT="34290" marB="34290">
-                    <a:lnL w="12700">
-                      <a:solidFill>
-                        <a:schemeClr val="tx1"/>
-                      </a:solidFill>
-                    </a:lnL>
-                    <a:lnR w="12700">
-                      <a:solidFill>
-                        <a:schemeClr val="tx1"/>
-                      </a:solidFill>
-                    </a:lnR>
-                    <a:lnT w="12700">
-                      <a:solidFill>
-                        <a:schemeClr val="tx1"/>
-                      </a:solidFill>
-                    </a:lnT>
-                    <a:lnB w="12700" cap="flat" cmpd="sng" algn="ctr">
-                      <a:solidFill>
-                        <a:schemeClr val="tx1"/>
-                      </a:solidFill>
-                      <a:prstDash val="solid"/>
-                      <a:round/>
-                      <a:headEnd type="none" w="med" len="med"/>
-                      <a:tailEnd type="none" w="med" len="med"/>
-                    </a:lnB>
-                    <a:solidFill>
-                      <a:schemeClr val="bg1"/>
-                    </a:solidFill>
-                  </a:tcPr>
-                </a:tc>
-                <a:extLst>
-                  <a:ext uri="{0D108BD9-81ED-4DB2-BD59-A6C34878D82A}">
-                    <a16:rowId xmlns:a16="http://schemas.microsoft.com/office/drawing/2014/main" val="2244702727"/>
-                  </a:ext>
-                </a:extLst>
-              </a:tr>
-              <a:tr h="1541145">
-                <a:tc>
-                  <a:txBody>
-                    <a:bodyPr/>
-                    <a:lstStyle/>
-                    <a:p>
-                      <a:pPr lvl="0">
-                        <a:buNone/>
-                      </a:pPr>
-                      <a:r>
-                        <a:rPr lang="en-US" sz="1500" dirty="0">
-                          <a:solidFill>
-                            <a:schemeClr val="tx1"/>
-                          </a:solidFill>
-                          <a:latin typeface="Times New Roman"/>
-                        </a:rPr>
-                        <a:t>Lists</a:t>
-                      </a:r>
-                    </a:p>
-                    <a:p>
-                      <a:pPr lvl="0">
-                        <a:buNone/>
-                      </a:pPr>
-                      <a:r>
-                        <a:rPr lang="en-US" sz="1500" dirty="0">
-                          <a:solidFill>
-                            <a:schemeClr val="tx1"/>
-                          </a:solidFill>
-                          <a:latin typeface="Times New Roman"/>
-                        </a:rPr>
-                        <a:t>(data collection type)</a:t>
-                      </a:r>
-                    </a:p>
-                  </a:txBody>
-                  <a:tcPr marL="68580" marR="68580" marT="34290" marB="34290">
-                    <a:lnL w="12700">
-                      <a:solidFill>
-                        <a:schemeClr val="tx1"/>
-                      </a:solidFill>
-                    </a:lnL>
-                    <a:lnR w="12700">
-                      <a:solidFill>
-                        <a:schemeClr val="tx1"/>
-                      </a:solidFill>
-                    </a:lnR>
-                    <a:lnT w="12700">
-                      <a:solidFill>
-                        <a:schemeClr val="tx1"/>
-                      </a:solidFill>
-                    </a:lnT>
-                    <a:lnB w="12700">
-                      <a:solidFill>
-                        <a:schemeClr val="tx1"/>
-                      </a:solidFill>
-                    </a:lnB>
-                    <a:solidFill>
-                      <a:schemeClr val="bg1"/>
-                    </a:solidFill>
-                  </a:tcPr>
-                </a:tc>
-                <a:tc>
-                  <a:txBody>
-                    <a:bodyPr/>
-                    <a:lstStyle/>
-                    <a:p>
-                      <a:pPr marL="457200" marR="0" lvl="1" indent="0" algn="l">
-                        <a:lnSpc>
-                          <a:spcPct val="90000"/>
-                        </a:lnSpc>
-                        <a:spcBef>
-                          <a:spcPts val="500"/>
-                        </a:spcBef>
-                        <a:spcAft>
-                          <a:spcPts val="0"/>
-                        </a:spcAft>
-                        <a:buNone/>
-                      </a:pPr>
-                      <a:r>
-                        <a:rPr lang="en-US" sz="1500" b="0" i="0" u="none" strike="noStrike" noProof="0" dirty="0">
-                          <a:solidFill>
-                            <a:srgbClr val="000000"/>
-                          </a:solidFill>
-                          <a:latin typeface="Times New Roman"/>
-                        </a:rPr>
-                        <a:t>["apple", 12, "computer science", "apple", 13.2]</a:t>
-                      </a:r>
-                    </a:p>
-                    <a:p>
-                      <a:pPr marL="1428750" marR="0" lvl="2" indent="-514350" algn="l">
-                        <a:lnSpc>
-                          <a:spcPct val="90000"/>
-                        </a:lnSpc>
-                        <a:spcBef>
-                          <a:spcPts val="500"/>
-                        </a:spcBef>
-                        <a:spcAft>
-                          <a:spcPts val="0"/>
-                        </a:spcAft>
-                        <a:buFont typeface="Arial"/>
-                        <a:buChar char="•"/>
-                      </a:pPr>
-                      <a:r>
-                        <a:rPr lang="en-US" sz="1500" b="0" i="0" u="none" strike="noStrike" noProof="0" dirty="0">
-                          <a:solidFill>
-                            <a:srgbClr val="000000"/>
-                          </a:solidFill>
-                          <a:latin typeface="Times New Roman"/>
-                        </a:rPr>
-                        <a:t>Order is saved</a:t>
-                      </a:r>
-                    </a:p>
-                    <a:p>
-                      <a:pPr marL="1428750" marR="0" lvl="2" indent="-514350" algn="l">
-                        <a:lnSpc>
-                          <a:spcPct val="90000"/>
-                        </a:lnSpc>
-                        <a:spcBef>
-                          <a:spcPts val="500"/>
-                        </a:spcBef>
-                        <a:spcAft>
-                          <a:spcPts val="0"/>
-                        </a:spcAft>
-                        <a:buFont typeface="Arial"/>
-                        <a:buChar char="•"/>
-                      </a:pPr>
-                      <a:r>
-                        <a:rPr lang="en-US" sz="1500" b="0" i="0" u="none" strike="noStrike" noProof="0" dirty="0">
-                          <a:solidFill>
-                            <a:srgbClr val="000000"/>
-                          </a:solidFill>
-                          <a:latin typeface="Times New Roman"/>
-                        </a:rPr>
-                        <a:t>Can be rearranged after list is defined</a:t>
-                      </a:r>
-                    </a:p>
-                    <a:p>
-                      <a:pPr marL="1428750" marR="0" lvl="2" indent="-514350" algn="l">
-                        <a:lnSpc>
-                          <a:spcPct val="90000"/>
-                        </a:lnSpc>
-                        <a:spcBef>
-                          <a:spcPts val="500"/>
-                        </a:spcBef>
-                        <a:spcAft>
-                          <a:spcPts val="0"/>
-                        </a:spcAft>
-                        <a:buFont typeface="Arial"/>
-                        <a:buChar char="•"/>
-                      </a:pPr>
-                      <a:r>
-                        <a:rPr lang="en-US" sz="1500" b="0" i="0" u="none" strike="noStrike" noProof="0" dirty="0">
-                          <a:solidFill>
-                            <a:srgbClr val="000000"/>
-                          </a:solidFill>
-                          <a:latin typeface="Times New Roman"/>
-                        </a:rPr>
-                        <a:t>Can contain duplicates</a:t>
-                      </a:r>
-                    </a:p>
-                    <a:p>
-                      <a:pPr marL="1428750" marR="0" lvl="2" indent="-514350" algn="l">
-                        <a:lnSpc>
-                          <a:spcPct val="90000"/>
-                        </a:lnSpc>
-                        <a:spcBef>
-                          <a:spcPts val="500"/>
-                        </a:spcBef>
-                        <a:spcAft>
-                          <a:spcPts val="0"/>
-                        </a:spcAft>
-                        <a:buFont typeface="Arial"/>
-                        <a:buChar char="•"/>
-                      </a:pPr>
-                      <a:r>
-                        <a:rPr lang="en-US" sz="1500" b="0" i="0" u="none" strike="noStrike" noProof="0" dirty="0">
-                          <a:solidFill>
-                            <a:srgbClr val="000000"/>
-                          </a:solidFill>
-                          <a:latin typeface="Times New Roman"/>
-                        </a:rPr>
-                        <a:t>Elements can be added or removed</a:t>
-                      </a:r>
-                    </a:p>
-                    <a:p>
-                      <a:pPr marL="1428750" marR="0" lvl="2" indent="-514350" algn="l">
-                        <a:lnSpc>
-                          <a:spcPct val="90000"/>
-                        </a:lnSpc>
-                        <a:spcBef>
-                          <a:spcPts val="500"/>
-                        </a:spcBef>
-                        <a:spcAft>
-                          <a:spcPts val="0"/>
-                        </a:spcAft>
-                        <a:buFont typeface="Arial"/>
-                        <a:buChar char="•"/>
-                      </a:pPr>
-                      <a:r>
-                        <a:rPr lang="en-US" sz="1500" b="0" i="0" u="none" strike="noStrike" noProof="0" dirty="0">
-                          <a:solidFill>
-                            <a:srgbClr val="000000"/>
-                          </a:solidFill>
-                          <a:latin typeface="Times New Roman"/>
-                        </a:rPr>
-                        <a:t>Indicated by square brackets</a:t>
-                      </a:r>
-                      <a:endParaRPr lang="en-US" sz="1500">
-                        <a:latin typeface="Times New Roman"/>
-                      </a:endParaRPr>
-                    </a:p>
-                  </a:txBody>
-                  <a:tcPr marL="68580" marR="68580" marT="34290" marB="34290">
-                    <a:lnL w="12700">
-                      <a:solidFill>
-                        <a:schemeClr val="tx1"/>
-                      </a:solidFill>
-                    </a:lnL>
-                    <a:lnR w="12700">
-                      <a:solidFill>
-                        <a:schemeClr val="tx1"/>
-                      </a:solidFill>
-                    </a:lnR>
-                    <a:lnT w="12700">
-                      <a:solidFill>
-                        <a:schemeClr val="tx1"/>
-                      </a:solidFill>
-                    </a:lnT>
-                    <a:lnB w="12700">
-                      <a:solidFill>
-                        <a:schemeClr val="tx1"/>
-                      </a:solidFill>
-                    </a:lnB>
-                    <a:solidFill>
-                      <a:schemeClr val="bg1"/>
-                    </a:solidFill>
-                  </a:tcPr>
-                </a:tc>
-                <a:extLst>
-                  <a:ext uri="{0D108BD9-81ED-4DB2-BD59-A6C34878D82A}">
-                    <a16:rowId xmlns:a16="http://schemas.microsoft.com/office/drawing/2014/main" val="3605950333"/>
-                  </a:ext>
-                </a:extLst>
-              </a:tr>
-            </a:tbl>
-          </a:graphicData>
-        </a:graphic>
-      </p:graphicFrame>
-    </p:spTree>
-    <p:extLst>
-      <p:ext uri="{BB962C8B-B14F-4D97-AF65-F5344CB8AC3E}">
-        <p14:creationId xmlns:p14="http://schemas.microsoft.com/office/powerpoint/2010/main" val="913908910"/>
-      </p:ext>
-    </p:extLst>
-  </p:cSld>
-  <p:clrMapOvr>
-    <a:masterClrMapping/>
-  </p:clrMapOvr>
-</p:sld>
-</file>
-
-<file path=ppt/slides/slide18.xml><?xml version="1.0" encoding="utf-8"?>
-<p:sld xmlns:a="http://schemas.openxmlformats.org/drawingml/2006/main" xmlns:r="http://schemas.openxmlformats.org/officeDocument/2006/relationships" xmlns:p="http://schemas.openxmlformats.org/presentationml/2006/main">
-  <p:cSld>
-    <p:spTree>
-      <p:nvGrpSpPr>
-        <p:cNvPr id="1" name=""/>
-        <p:cNvGrpSpPr/>
-        <p:nvPr/>
-      </p:nvGrpSpPr>
-      <p:grpSpPr>
-        <a:xfrm>
-          <a:off x="0" y="0"/>
-          <a:ext cx="0" cy="0"/>
-          <a:chOff x="0" y="0"/>
-          <a:chExt cx="0" cy="0"/>
-        </a:xfrm>
-      </p:grpSpPr>
-      <p:pic>
-        <p:nvPicPr>
-          <p:cNvPr id="4" name="Content Placeholder 3" descr="A screenshot of a computer&#10;&#10;Description automatically generated">
-            <a:extLst>
-              <a:ext uri="{FF2B5EF4-FFF2-40B4-BE49-F238E27FC236}">
-                <a16:creationId xmlns:a16="http://schemas.microsoft.com/office/drawing/2014/main" id="{CD45A56E-ADC8-5EFA-614C-5469148D8271}"/>
-              </a:ext>
-            </a:extLst>
-          </p:cNvPr>
-          <p:cNvPicPr>
-            <a:picLocks noGrp="1" noChangeAspect="1"/>
-          </p:cNvPicPr>
-          <p:nvPr>
-            <p:ph idx="1"/>
-          </p:nvPr>
-        </p:nvPicPr>
-        <p:blipFill>
-          <a:blip r:embed="rId2"/>
-          <a:stretch>
-            <a:fillRect/>
-          </a:stretch>
-        </p:blipFill>
-        <p:spPr>
-          <a:xfrm>
-            <a:off x="856223" y="2469447"/>
-            <a:ext cx="7126233" cy="2065130"/>
-          </a:xfrm>
-        </p:spPr>
-      </p:pic>
-    </p:spTree>
-    <p:extLst>
-      <p:ext uri="{BB962C8B-B14F-4D97-AF65-F5344CB8AC3E}">
-        <p14:creationId xmlns:p14="http://schemas.microsoft.com/office/powerpoint/2010/main" val="2164786919"/>
-      </p:ext>
-    </p:extLst>
-  </p:cSld>
-  <p:clrMapOvr>
-    <a:masterClrMapping/>
-  </p:clrMapOvr>
-</p:sld>
-</file>
-
-<file path=ppt/slides/slide19.xml><?xml version="1.0" encoding="utf-8"?>
-<p:sld xmlns:a="http://schemas.openxmlformats.org/drawingml/2006/main" xmlns:r="http://schemas.openxmlformats.org/officeDocument/2006/relationships" xmlns:p="http://schemas.openxmlformats.org/presentationml/2006/main">
-  <p:cSld>
-    <p:spTree>
-      <p:nvGrpSpPr>
-        <p:cNvPr id="1" name=""/>
-        <p:cNvGrpSpPr/>
-        <p:nvPr/>
-      </p:nvGrpSpPr>
-      <p:grpSpPr>
-        <a:xfrm>
-          <a:off x="0" y="0"/>
-          <a:ext cx="0" cy="0"/>
-          <a:chOff x="0" y="0"/>
-          <a:chExt cx="0" cy="0"/>
-        </a:xfrm>
-      </p:grpSpPr>
-      <p:pic>
-        <p:nvPicPr>
-          <p:cNvPr id="4" name="Content Placeholder 3" descr="A screen shot of a computer&#10;&#10;Description automatically generated">
-            <a:extLst>
-              <a:ext uri="{FF2B5EF4-FFF2-40B4-BE49-F238E27FC236}">
-                <a16:creationId xmlns:a16="http://schemas.microsoft.com/office/drawing/2014/main" id="{10E72BF6-8875-031E-13D7-4A1D8CC8368D}"/>
-              </a:ext>
-            </a:extLst>
-          </p:cNvPr>
-          <p:cNvPicPr>
-            <a:picLocks noGrp="1" noChangeAspect="1"/>
-          </p:cNvPicPr>
-          <p:nvPr>
-            <p:ph idx="1"/>
-          </p:nvPr>
-        </p:nvPicPr>
-        <p:blipFill>
-          <a:blip r:embed="rId2"/>
-          <a:stretch>
-            <a:fillRect/>
-          </a:stretch>
-        </p:blipFill>
-        <p:spPr>
-          <a:xfrm>
-            <a:off x="1714374" y="1163957"/>
-            <a:ext cx="5619679" cy="1703720"/>
-          </a:xfrm>
-        </p:spPr>
-      </p:pic>
-      <p:sp>
-        <p:nvSpPr>
-          <p:cNvPr id="6" name="TextBox 5">
-            <a:extLst>
-              <a:ext uri="{FF2B5EF4-FFF2-40B4-BE49-F238E27FC236}">
-                <a16:creationId xmlns:a16="http://schemas.microsoft.com/office/drawing/2014/main" id="{82C79800-D8B1-99BE-680D-B545EE87A5AA}"/>
-              </a:ext>
-            </a:extLst>
-          </p:cNvPr>
-          <p:cNvSpPr txBox="1"/>
-          <p:nvPr/>
-        </p:nvSpPr>
-        <p:spPr>
-          <a:xfrm>
-            <a:off x="1440493" y="3271188"/>
-            <a:ext cx="6176897" cy="2839239"/>
-          </a:xfrm>
-          <a:prstGeom prst="rect">
-            <a:avLst/>
-          </a:prstGeom>
-          <a:noFill/>
-        </p:spPr>
-        <p:txBody>
-          <a:bodyPr rot="0" spcFirstLastPara="0" vertOverflow="overflow" horzOverflow="overflow" vert="horz" wrap="square" lIns="68580" tIns="34290" rIns="68580" bIns="34290" numCol="1" spcCol="0" rtlCol="0" fromWordArt="0" anchor="t" anchorCtr="0" forceAA="0" compatLnSpc="1">
-            <a:prstTxWarp prst="textNoShape">
-              <a:avLst/>
-            </a:prstTxWarp>
-            <a:spAutoFit/>
-          </a:bodyPr>
-          <a:lstStyle/>
-          <a:p>
-            <a:r>
-              <a:rPr lang="en-US" sz="2000" dirty="0">
-                <a:latin typeface="Times New Roman"/>
-                <a:cs typeface="Calibri"/>
-              </a:rPr>
-              <a:t>Python for loop containing:</a:t>
-            </a:r>
-            <a:endParaRPr lang="en-US" sz="2000">
-              <a:latin typeface="Times New Roman"/>
-              <a:cs typeface="Times New Roman"/>
-            </a:endParaRPr>
-          </a:p>
-          <a:p>
-            <a:pPr marL="213995" indent="-213995">
-              <a:buFont typeface="Arial"/>
-              <a:buChar char="•"/>
-            </a:pPr>
-            <a:r>
-              <a:rPr lang="en-US" sz="2000" dirty="0">
-                <a:latin typeface="Times New Roman"/>
-                <a:cs typeface="Calibri"/>
-              </a:rPr>
-              <a:t>List</a:t>
-            </a:r>
-          </a:p>
-          <a:p>
-            <a:pPr marL="213995" indent="-213995">
-              <a:buFont typeface="Arial"/>
-              <a:buChar char="•"/>
-            </a:pPr>
-            <a:r>
-              <a:rPr lang="en-US" sz="2000" dirty="0">
-                <a:latin typeface="Times New Roman"/>
-                <a:cs typeface="Calibri"/>
-              </a:rPr>
-              <a:t>Strings—denoted by quotation marks</a:t>
-            </a:r>
-          </a:p>
-          <a:p>
-            <a:pPr marL="213995" indent="-213995">
-              <a:buFont typeface="Arial"/>
-              <a:buChar char="•"/>
-            </a:pPr>
-            <a:r>
-              <a:rPr lang="en-US" sz="2000" dirty="0">
-                <a:latin typeface="Times New Roman"/>
-                <a:cs typeface="Calibri"/>
-              </a:rPr>
-              <a:t>Indents</a:t>
-            </a:r>
-          </a:p>
-          <a:p>
-            <a:pPr marL="213995" indent="-213995">
-              <a:buFont typeface="Arial"/>
-              <a:buChar char="•"/>
-            </a:pPr>
-            <a:r>
-              <a:rPr lang="en-US" sz="2000" dirty="0">
-                <a:latin typeface="Times New Roman"/>
-                <a:cs typeface="Calibri"/>
-              </a:rPr>
-              <a:t>function</a:t>
-            </a:r>
-          </a:p>
-          <a:p>
-            <a:pPr marL="213995" indent="-213995">
-              <a:buFont typeface="Arial"/>
-              <a:buChar char="•"/>
-            </a:pPr>
-            <a:r>
-              <a:rPr lang="en-US" sz="2000" dirty="0">
-                <a:latin typeface="Times New Roman"/>
-                <a:cs typeface="Calibri"/>
-              </a:rPr>
-              <a:t>Square brackets</a:t>
-            </a:r>
-          </a:p>
-          <a:p>
-            <a:pPr marL="213995" indent="-213995">
-              <a:buFont typeface="Arial"/>
-              <a:buChar char="•"/>
-            </a:pPr>
-            <a:r>
-              <a:rPr lang="en-US" sz="2000" dirty="0">
-                <a:latin typeface="Times New Roman"/>
-                <a:cs typeface="Calibri"/>
-              </a:rPr>
-              <a:t>Variable</a:t>
-            </a:r>
-          </a:p>
-          <a:p>
-            <a:pPr marL="213995" indent="-213995">
-              <a:buFont typeface="Arial"/>
-              <a:buChar char="•"/>
-            </a:pPr>
-            <a:r>
-              <a:rPr lang="en-US" sz="2000" dirty="0">
-                <a:latin typeface="Times New Roman"/>
-                <a:cs typeface="Calibri"/>
-              </a:rPr>
-              <a:t>Parentheses</a:t>
-            </a:r>
-          </a:p>
-          <a:p>
-            <a:pPr marL="213995" indent="-213995">
-              <a:buFont typeface="Arial"/>
-              <a:buChar char="•"/>
-            </a:pPr>
-            <a:r>
-              <a:rPr lang="en-US" sz="2000" dirty="0">
-                <a:latin typeface="Times New Roman"/>
-                <a:cs typeface="Calibri"/>
-              </a:rPr>
-              <a:t>argument</a:t>
-            </a:r>
-          </a:p>
-        </p:txBody>
-      </p:sp>
-    </p:spTree>
-    <p:extLst>
-      <p:ext uri="{BB962C8B-B14F-4D97-AF65-F5344CB8AC3E}">
-        <p14:creationId xmlns:p14="http://schemas.microsoft.com/office/powerpoint/2010/main" val="817878283"/>
       </p:ext>
     </p:extLst>
   </p:cSld>
@@ -6660,1132 +3934,6 @@
   <p:clrMapOvr>
     <a:masterClrMapping/>
   </p:clrMapOvr>
-</p:sld>
-</file>
-
-<file path=ppt/slides/slide20.xml><?xml version="1.0" encoding="utf-8"?>
-<p:sld xmlns:a="http://schemas.openxmlformats.org/drawingml/2006/main" xmlns:r="http://schemas.openxmlformats.org/officeDocument/2006/relationships" xmlns:p="http://schemas.openxmlformats.org/presentationml/2006/main">
-  <p:cSld>
-    <p:spTree>
-      <p:nvGrpSpPr>
-        <p:cNvPr id="1" name=""/>
-        <p:cNvGrpSpPr/>
-        <p:nvPr/>
-      </p:nvGrpSpPr>
-      <p:grpSpPr>
-        <a:xfrm>
-          <a:off x="0" y="0"/>
-          <a:ext cx="0" cy="0"/>
-          <a:chOff x="0" y="0"/>
-          <a:chExt cx="0" cy="0"/>
-        </a:xfrm>
-      </p:grpSpPr>
-      <p:sp>
-        <p:nvSpPr>
-          <p:cNvPr id="2" name="Title 1">
-            <a:extLst>
-              <a:ext uri="{FF2B5EF4-FFF2-40B4-BE49-F238E27FC236}">
-                <a16:creationId xmlns:a16="http://schemas.microsoft.com/office/drawing/2014/main" id="{68BBC2B6-042D-349A-DEAC-41DF1460151E}"/>
-              </a:ext>
-            </a:extLst>
-          </p:cNvPr>
-          <p:cNvSpPr>
-            <a:spLocks noGrp="1"/>
-          </p:cNvSpPr>
-          <p:nvPr>
-            <p:ph type="ctrTitle"/>
-          </p:nvPr>
-        </p:nvSpPr>
-        <p:spPr/>
-        <p:txBody>
-          <a:bodyPr/>
-          <a:lstStyle/>
-          <a:p>
-            <a:r>
-              <a:rPr lang="en-US" dirty="0">
-                <a:latin typeface="Times New Roman"/>
-                <a:cs typeface="Calibri Light"/>
-              </a:rPr>
-              <a:t>Demo 2</a:t>
-            </a:r>
-            <a:endParaRPr lang="en-US" dirty="0"/>
-          </a:p>
-        </p:txBody>
-      </p:sp>
-      <p:sp>
-        <p:nvSpPr>
-          <p:cNvPr id="3" name="Subtitle 2">
-            <a:extLst>
-              <a:ext uri="{FF2B5EF4-FFF2-40B4-BE49-F238E27FC236}">
-                <a16:creationId xmlns:a16="http://schemas.microsoft.com/office/drawing/2014/main" id="{0F66D310-EF51-88EB-4FC0-C2858B730094}"/>
-              </a:ext>
-            </a:extLst>
-          </p:cNvPr>
-          <p:cNvSpPr>
-            <a:spLocks noGrp="1"/>
-          </p:cNvSpPr>
-          <p:nvPr>
-            <p:ph type="subTitle" idx="1"/>
-          </p:nvPr>
-        </p:nvSpPr>
-        <p:spPr/>
-        <p:txBody>
-          <a:bodyPr vert="horz" lIns="68580" tIns="34290" rIns="68580" bIns="34290" rtlCol="0" anchor="t">
-            <a:normAutofit lnSpcReduction="10000"/>
-          </a:bodyPr>
-          <a:lstStyle/>
-          <a:p>
-            <a:r>
-              <a:rPr lang="en-US" dirty="0">
-                <a:latin typeface="Times New Roman"/>
-                <a:cs typeface="Calibri"/>
-              </a:rPr>
-              <a:t>Getting Started with Python</a:t>
-            </a:r>
-          </a:p>
-        </p:txBody>
-      </p:sp>
-    </p:spTree>
-    <p:extLst>
-      <p:ext uri="{BB962C8B-B14F-4D97-AF65-F5344CB8AC3E}">
-        <p14:creationId xmlns:p14="http://schemas.microsoft.com/office/powerpoint/2010/main" val="3918721913"/>
-      </p:ext>
-    </p:extLst>
-  </p:cSld>
-  <p:clrMapOvr>
-    <a:masterClrMapping/>
-  </p:clrMapOvr>
-</p:sld>
-</file>
-
-<file path=ppt/slides/slide21.xml><?xml version="1.0" encoding="utf-8"?>
-<p:sld xmlns:a="http://schemas.openxmlformats.org/drawingml/2006/main" xmlns:r="http://schemas.openxmlformats.org/officeDocument/2006/relationships" xmlns:p="http://schemas.openxmlformats.org/presentationml/2006/main">
-  <p:cSld>
-    <p:spTree>
-      <p:nvGrpSpPr>
-        <p:cNvPr id="1" name=""/>
-        <p:cNvGrpSpPr/>
-        <p:nvPr/>
-      </p:nvGrpSpPr>
-      <p:grpSpPr>
-        <a:xfrm>
-          <a:off x="0" y="0"/>
-          <a:ext cx="0" cy="0"/>
-          <a:chOff x="0" y="0"/>
-          <a:chExt cx="0" cy="0"/>
-        </a:xfrm>
-      </p:grpSpPr>
-      <p:sp>
-        <p:nvSpPr>
-          <p:cNvPr id="2" name="Title 1">
-            <a:extLst>
-              <a:ext uri="{FF2B5EF4-FFF2-40B4-BE49-F238E27FC236}">
-                <a16:creationId xmlns:a16="http://schemas.microsoft.com/office/drawing/2014/main" id="{80E90C0C-B43F-5580-65EA-BCF0306311E3}"/>
-              </a:ext>
-            </a:extLst>
-          </p:cNvPr>
-          <p:cNvSpPr>
-            <a:spLocks noGrp="1"/>
-          </p:cNvSpPr>
-          <p:nvPr>
-            <p:ph type="title"/>
-          </p:nvPr>
-        </p:nvSpPr>
-        <p:spPr/>
-        <p:txBody>
-          <a:bodyPr/>
-          <a:lstStyle/>
-          <a:p>
-            <a:pPr algn="ctr"/>
-            <a:r>
-              <a:rPr lang="en-US" dirty="0">
-                <a:solidFill>
-                  <a:srgbClr val="000000"/>
-                </a:solidFill>
-                <a:cs typeface="Calibri Light"/>
-              </a:rPr>
-              <a:t>Exercise 2</a:t>
-            </a:r>
-          </a:p>
-        </p:txBody>
-      </p:sp>
-      <p:sp>
-        <p:nvSpPr>
-          <p:cNvPr id="3" name="Content Placeholder 2">
-            <a:extLst>
-              <a:ext uri="{FF2B5EF4-FFF2-40B4-BE49-F238E27FC236}">
-                <a16:creationId xmlns:a16="http://schemas.microsoft.com/office/drawing/2014/main" id="{C9601FBB-18F9-B52B-A114-C2E4BF8D9678}"/>
-              </a:ext>
-            </a:extLst>
-          </p:cNvPr>
-          <p:cNvSpPr>
-            <a:spLocks noGrp="1"/>
-          </p:cNvSpPr>
-          <p:nvPr>
-            <p:ph idx="1"/>
-          </p:nvPr>
-        </p:nvSpPr>
-        <p:spPr/>
-        <p:txBody>
-          <a:bodyPr vert="horz" lIns="68580" tIns="34290" rIns="68580" bIns="34290" rtlCol="0" anchor="t">
-            <a:normAutofit/>
-          </a:bodyPr>
-          <a:lstStyle/>
-          <a:p>
-            <a:pPr marL="0" indent="0">
-              <a:buNone/>
-            </a:pPr>
-            <a:endParaRPr lang="en-US" dirty="0">
-              <a:solidFill>
-                <a:srgbClr val="000000"/>
-              </a:solidFill>
-              <a:latin typeface="Arial"/>
-              <a:cs typeface="Arial"/>
-            </a:endParaRPr>
-          </a:p>
-          <a:p>
-            <a:pPr marL="0" indent="0">
-              <a:buNone/>
-            </a:pPr>
-            <a:r>
-              <a:rPr lang="en-US" dirty="0">
-                <a:solidFill>
-                  <a:srgbClr val="000000"/>
-                </a:solidFill>
-                <a:latin typeface="Arial"/>
-                <a:cs typeface="Arial"/>
-              </a:rPr>
-              <a:t>Create a program called dept.py that asks you how many years you have been at Wash U, and what department you work in. Run the program from the command line. The output should be “Congratulations on working at the X department at Wash U for Y years”.</a:t>
-            </a:r>
-            <a:endParaRPr lang="en-US">
-              <a:solidFill>
-                <a:srgbClr val="000000"/>
-              </a:solidFill>
-              <a:latin typeface="Arial"/>
-              <a:cs typeface="Arial"/>
-            </a:endParaRPr>
-          </a:p>
-        </p:txBody>
-      </p:sp>
-    </p:spTree>
-    <p:extLst>
-      <p:ext uri="{BB962C8B-B14F-4D97-AF65-F5344CB8AC3E}">
-        <p14:creationId xmlns:p14="http://schemas.microsoft.com/office/powerpoint/2010/main" val="702624774"/>
-      </p:ext>
-    </p:extLst>
-  </p:cSld>
-  <p:clrMapOvr>
-    <a:masterClrMapping/>
-  </p:clrMapOvr>
-</p:sld>
-</file>
-
-<file path=ppt/slides/slide22.xml><?xml version="1.0" encoding="utf-8"?>
-<p:sld xmlns:a="http://schemas.openxmlformats.org/drawingml/2006/main" xmlns:r="http://schemas.openxmlformats.org/officeDocument/2006/relationships" xmlns:p="http://schemas.openxmlformats.org/presentationml/2006/main">
-  <p:cSld>
-    <p:spTree>
-      <p:nvGrpSpPr>
-        <p:cNvPr id="1" name=""/>
-        <p:cNvGrpSpPr/>
-        <p:nvPr/>
-      </p:nvGrpSpPr>
-      <p:grpSpPr>
-        <a:xfrm>
-          <a:off x="0" y="0"/>
-          <a:ext cx="0" cy="0"/>
-          <a:chOff x="0" y="0"/>
-          <a:chExt cx="0" cy="0"/>
-        </a:xfrm>
-      </p:grpSpPr>
-      <p:sp>
-        <p:nvSpPr>
-          <p:cNvPr id="2" name="Title 1">
-            <a:extLst>
-              <a:ext uri="{FF2B5EF4-FFF2-40B4-BE49-F238E27FC236}">
-                <a16:creationId xmlns:a16="http://schemas.microsoft.com/office/drawing/2014/main" id="{657BA884-2F10-BCAB-6C03-66DE5F3B913E}"/>
-              </a:ext>
-            </a:extLst>
-          </p:cNvPr>
-          <p:cNvSpPr>
-            <a:spLocks noGrp="1"/>
-          </p:cNvSpPr>
-          <p:nvPr>
-            <p:ph type="title"/>
-          </p:nvPr>
-        </p:nvSpPr>
-        <p:spPr/>
-        <p:txBody>
-          <a:bodyPr/>
-          <a:lstStyle/>
-          <a:p>
-            <a:pPr algn="ctr"/>
-            <a:r>
-              <a:rPr lang="en-US" dirty="0">
-                <a:solidFill>
-                  <a:srgbClr val="000000"/>
-                </a:solidFill>
-                <a:cs typeface="Calibri Light"/>
-              </a:rPr>
-              <a:t>Solution</a:t>
-            </a:r>
-          </a:p>
-        </p:txBody>
-      </p:sp>
-      <p:sp>
-        <p:nvSpPr>
-          <p:cNvPr id="3" name="Content Placeholder 2">
-            <a:extLst>
-              <a:ext uri="{FF2B5EF4-FFF2-40B4-BE49-F238E27FC236}">
-                <a16:creationId xmlns:a16="http://schemas.microsoft.com/office/drawing/2014/main" id="{8DEB31ED-E7DC-CC59-E76F-72C57BA85B4C}"/>
-              </a:ext>
-            </a:extLst>
-          </p:cNvPr>
-          <p:cNvSpPr>
-            <a:spLocks noGrp="1"/>
-          </p:cNvSpPr>
-          <p:nvPr>
-            <p:ph idx="1"/>
-          </p:nvPr>
-        </p:nvSpPr>
-        <p:spPr/>
-        <p:txBody>
-          <a:bodyPr vert="horz" lIns="68580" tIns="34290" rIns="68580" bIns="34290" rtlCol="0" anchor="t">
-            <a:normAutofit/>
-          </a:bodyPr>
-          <a:lstStyle/>
-          <a:p>
-            <a:pPr>
-              <a:buNone/>
-            </a:pPr>
-            <a:r>
-              <a:rPr lang="en-US" sz="2400" b="1" dirty="0">
-                <a:solidFill>
-                  <a:schemeClr val="tx1"/>
-                </a:solidFill>
-                <a:latin typeface="Arial"/>
-                <a:ea typeface="+mn-lt"/>
-                <a:cs typeface="+mn-lt"/>
-              </a:rPr>
-              <a:t>dept.py:</a:t>
-            </a:r>
-          </a:p>
-          <a:p>
-            <a:pPr>
-              <a:buNone/>
-            </a:pPr>
-            <a:r>
-              <a:rPr lang="en-US" sz="2400" dirty="0">
-                <a:solidFill>
-                  <a:schemeClr val="tx1"/>
-                </a:solidFill>
-                <a:latin typeface="Arial"/>
-                <a:ea typeface="+mn-lt"/>
-                <a:cs typeface="+mn-lt"/>
-              </a:rPr>
-              <a:t>years = input("how many years have you worked at WashU? ")</a:t>
-            </a:r>
-            <a:endParaRPr lang="en-US" sz="2400" dirty="0">
-              <a:solidFill>
-                <a:schemeClr val="tx1"/>
-              </a:solidFill>
-              <a:latin typeface="Arial"/>
-              <a:cs typeface="Calibri"/>
-            </a:endParaRPr>
-          </a:p>
-          <a:p>
-            <a:pPr>
-              <a:buNone/>
-            </a:pPr>
-            <a:r>
-              <a:rPr lang="en-US" sz="2400" dirty="0">
-                <a:solidFill>
-                  <a:schemeClr val="tx1"/>
-                </a:solidFill>
-                <a:latin typeface="Arial"/>
-                <a:ea typeface="+mn-lt"/>
-                <a:cs typeface="+mn-lt"/>
-              </a:rPr>
-              <a:t>department = input("what department do you work in? ") </a:t>
-            </a:r>
-            <a:endParaRPr lang="en-US" sz="2400">
-              <a:solidFill>
-                <a:schemeClr val="tx1"/>
-              </a:solidFill>
-              <a:latin typeface="Arial"/>
-            </a:endParaRPr>
-          </a:p>
-          <a:p>
-            <a:pPr marL="0" indent="0">
-              <a:buNone/>
-            </a:pPr>
-            <a:r>
-              <a:rPr lang="en-US" sz="2400" dirty="0">
-                <a:solidFill>
-                  <a:schemeClr val="tx1"/>
-                </a:solidFill>
-                <a:latin typeface="Arial"/>
-                <a:ea typeface="+mn-lt"/>
-                <a:cs typeface="+mn-lt"/>
-              </a:rPr>
-              <a:t>print("Congratulations on working at the", department, "department at Wash U for", years, "years") </a:t>
-            </a:r>
-          </a:p>
-          <a:p>
-            <a:pPr marL="0" indent="0">
-              <a:buNone/>
-            </a:pPr>
-            <a:endParaRPr lang="en-US" sz="2400" dirty="0">
-              <a:solidFill>
-                <a:schemeClr val="tx1"/>
-              </a:solidFill>
-              <a:cs typeface="Calibri"/>
-            </a:endParaRPr>
-          </a:p>
-          <a:p>
-            <a:pPr marL="0" indent="0">
-              <a:buNone/>
-            </a:pPr>
-            <a:r>
-              <a:rPr lang="en-US" sz="2400" b="1" dirty="0">
-                <a:solidFill>
-                  <a:schemeClr val="tx1"/>
-                </a:solidFill>
-                <a:latin typeface="Arial"/>
-                <a:cs typeface="Calibri"/>
-              </a:rPr>
-              <a:t>Run from command line: </a:t>
-            </a:r>
-          </a:p>
-          <a:p>
-            <a:pPr marL="0" indent="0">
-              <a:buNone/>
-            </a:pPr>
-            <a:r>
-              <a:rPr lang="en-US" sz="2400" dirty="0">
-                <a:solidFill>
-                  <a:schemeClr val="tx1"/>
-                </a:solidFill>
-                <a:latin typeface="Arial"/>
-                <a:cs typeface="Calibri"/>
-              </a:rPr>
-              <a:t>python dept.py from python-workshop directory</a:t>
-            </a:r>
-            <a:endParaRPr lang="en-US">
-              <a:solidFill>
-                <a:schemeClr val="tx1"/>
-              </a:solidFill>
-            </a:endParaRPr>
-          </a:p>
-        </p:txBody>
-      </p:sp>
-    </p:spTree>
-    <p:extLst>
-      <p:ext uri="{BB962C8B-B14F-4D97-AF65-F5344CB8AC3E}">
-        <p14:creationId xmlns:p14="http://schemas.microsoft.com/office/powerpoint/2010/main" val="1760213573"/>
-      </p:ext>
-    </p:extLst>
-  </p:cSld>
-  <p:clrMapOvr>
-    <a:masterClrMapping/>
-  </p:clrMapOvr>
-</p:sld>
-</file>
-
-<file path=ppt/slides/slide23.xml><?xml version="1.0" encoding="utf-8"?>
-<p:sld xmlns:a="http://schemas.openxmlformats.org/drawingml/2006/main" xmlns:r="http://schemas.openxmlformats.org/officeDocument/2006/relationships" xmlns:p="http://schemas.openxmlformats.org/presentationml/2006/main">
-  <p:cSld>
-    <p:spTree>
-      <p:nvGrpSpPr>
-        <p:cNvPr id="1" name=""/>
-        <p:cNvGrpSpPr/>
-        <p:nvPr/>
-      </p:nvGrpSpPr>
-      <p:grpSpPr>
-        <a:xfrm>
-          <a:off x="0" y="0"/>
-          <a:ext cx="0" cy="0"/>
-          <a:chOff x="0" y="0"/>
-          <a:chExt cx="0" cy="0"/>
-        </a:xfrm>
-      </p:grpSpPr>
-      <p:sp>
-        <p:nvSpPr>
-          <p:cNvPr id="2" name="Title 1">
-            <a:extLst>
-              <a:ext uri="{FF2B5EF4-FFF2-40B4-BE49-F238E27FC236}">
-                <a16:creationId xmlns:a16="http://schemas.microsoft.com/office/drawing/2014/main" id="{14001CB8-5500-C1A6-DCD2-EB48EA2F4784}"/>
-              </a:ext>
-            </a:extLst>
-          </p:cNvPr>
-          <p:cNvSpPr>
-            <a:spLocks noGrp="1"/>
-          </p:cNvSpPr>
-          <p:nvPr>
-            <p:ph type="title"/>
-          </p:nvPr>
-        </p:nvSpPr>
-        <p:spPr/>
-        <p:txBody>
-          <a:bodyPr/>
-          <a:lstStyle/>
-          <a:p>
-            <a:pPr algn="ctr"/>
-            <a:r>
-              <a:rPr lang="en-US" dirty="0">
-                <a:solidFill>
-                  <a:srgbClr val="000000"/>
-                </a:solidFill>
-                <a:cs typeface="Calibri Light"/>
-              </a:rPr>
-              <a:t>Exercise 3</a:t>
-            </a:r>
-            <a:endParaRPr lang="en-US" dirty="0">
-              <a:solidFill>
-                <a:srgbClr val="000000"/>
-              </a:solidFill>
-            </a:endParaRPr>
-          </a:p>
-        </p:txBody>
-      </p:sp>
-      <p:sp>
-        <p:nvSpPr>
-          <p:cNvPr id="3" name="Content Placeholder 2">
-            <a:extLst>
-              <a:ext uri="{FF2B5EF4-FFF2-40B4-BE49-F238E27FC236}">
-                <a16:creationId xmlns:a16="http://schemas.microsoft.com/office/drawing/2014/main" id="{96E4724A-F30F-11E5-81D8-3924BE5D52BB}"/>
-              </a:ext>
-            </a:extLst>
-          </p:cNvPr>
-          <p:cNvSpPr>
-            <a:spLocks noGrp="1"/>
-          </p:cNvSpPr>
-          <p:nvPr>
-            <p:ph idx="1"/>
-          </p:nvPr>
-        </p:nvSpPr>
-        <p:spPr/>
-        <p:txBody>
-          <a:bodyPr vert="horz" lIns="68580" tIns="34290" rIns="68580" bIns="34290" rtlCol="0" anchor="t">
-            <a:normAutofit/>
-          </a:bodyPr>
-          <a:lstStyle/>
-          <a:p>
-            <a:pPr marL="0" indent="0">
-              <a:buNone/>
-            </a:pPr>
-            <a:r>
-              <a:rPr lang="en-US" dirty="0">
-                <a:solidFill>
-                  <a:schemeClr val="tx1"/>
-                </a:solidFill>
-                <a:latin typeface="Times New Roman"/>
-                <a:cs typeface="Arial"/>
-              </a:rPr>
-              <a:t>In your text editor, write a program takes in a list of departments at Wash U, sorts them in alphabetical order and outputs the following statement: “X and Y are two departments at Wash U”, where X and Y are the </a:t>
-            </a:r>
-            <a:r>
-              <a:rPr lang="en-US" i="1" dirty="0">
-                <a:solidFill>
-                  <a:schemeClr val="tx1"/>
-                </a:solidFill>
-                <a:latin typeface="Times New Roman"/>
-                <a:cs typeface="Arial"/>
-              </a:rPr>
-              <a:t>second </a:t>
-            </a:r>
-            <a:r>
-              <a:rPr lang="en-US" dirty="0">
-                <a:solidFill>
-                  <a:schemeClr val="tx1"/>
-                </a:solidFill>
-                <a:latin typeface="Times New Roman"/>
-                <a:cs typeface="Arial"/>
-              </a:rPr>
-              <a:t>and </a:t>
-            </a:r>
-            <a:r>
-              <a:rPr lang="en-US" i="1" dirty="0">
-                <a:solidFill>
-                  <a:schemeClr val="tx1"/>
-                </a:solidFill>
-                <a:latin typeface="Times New Roman"/>
-                <a:cs typeface="Arial"/>
-              </a:rPr>
-              <a:t>third</a:t>
-            </a:r>
-            <a:r>
-              <a:rPr lang="en-US" dirty="0">
-                <a:solidFill>
-                  <a:schemeClr val="tx1"/>
-                </a:solidFill>
-                <a:latin typeface="Times New Roman"/>
-                <a:cs typeface="Arial"/>
-              </a:rPr>
-              <a:t> departments alphabetically. Run the program from the command line.</a:t>
-            </a:r>
-            <a:r>
-              <a:rPr lang="en-US" dirty="0">
-                <a:solidFill>
-                  <a:schemeClr val="tx1"/>
-                </a:solidFill>
-                <a:latin typeface="Times New Roman"/>
-                <a:ea typeface="Times New Roman"/>
-                <a:cs typeface="Times New Roman"/>
-              </a:rPr>
-              <a:t> </a:t>
-            </a:r>
-            <a:endParaRPr lang="en-US">
-              <a:solidFill>
-                <a:schemeClr val="tx1"/>
-              </a:solidFill>
-              <a:cs typeface="Calibri" panose="020F0502020204030204"/>
-            </a:endParaRPr>
-          </a:p>
-        </p:txBody>
-      </p:sp>
-    </p:spTree>
-    <p:extLst>
-      <p:ext uri="{BB962C8B-B14F-4D97-AF65-F5344CB8AC3E}">
-        <p14:creationId xmlns:p14="http://schemas.microsoft.com/office/powerpoint/2010/main" val="1013305701"/>
-      </p:ext>
-    </p:extLst>
-  </p:cSld>
-  <p:clrMapOvr>
-    <a:masterClrMapping/>
-  </p:clrMapOvr>
-</p:sld>
-</file>
-
-<file path=ppt/slides/slide24.xml><?xml version="1.0" encoding="utf-8"?>
-<p:sld xmlns:a="http://schemas.openxmlformats.org/drawingml/2006/main" xmlns:r="http://schemas.openxmlformats.org/officeDocument/2006/relationships" xmlns:p="http://schemas.openxmlformats.org/presentationml/2006/main">
-  <p:cSld>
-    <p:spTree>
-      <p:nvGrpSpPr>
-        <p:cNvPr id="1" name=""/>
-        <p:cNvGrpSpPr/>
-        <p:nvPr/>
-      </p:nvGrpSpPr>
-      <p:grpSpPr>
-        <a:xfrm>
-          <a:off x="0" y="0"/>
-          <a:ext cx="0" cy="0"/>
-          <a:chOff x="0" y="0"/>
-          <a:chExt cx="0" cy="0"/>
-        </a:xfrm>
-      </p:grpSpPr>
-      <p:sp>
-        <p:nvSpPr>
-          <p:cNvPr id="2" name="Content Placeholder 1">
-            <a:extLst>
-              <a:ext uri="{FF2B5EF4-FFF2-40B4-BE49-F238E27FC236}">
-                <a16:creationId xmlns:a16="http://schemas.microsoft.com/office/drawing/2014/main" id="{90F7FC59-CF4C-5071-86AE-4A3B4961F1F5}"/>
-              </a:ext>
-            </a:extLst>
-          </p:cNvPr>
-          <p:cNvSpPr>
-            <a:spLocks noGrp="1"/>
-          </p:cNvSpPr>
-          <p:nvPr>
-            <p:ph idx="1"/>
-          </p:nvPr>
-        </p:nvSpPr>
-        <p:spPr/>
-        <p:txBody>
-          <a:bodyPr vert="horz" lIns="91440" tIns="45720" rIns="91440" bIns="45720" rtlCol="0" anchor="t">
-            <a:normAutofit/>
-          </a:bodyPr>
-          <a:lstStyle/>
-          <a:p>
-            <a:pPr>
-              <a:buNone/>
-            </a:pPr>
-            <a:r>
-              <a:rPr lang="en-US" dirty="0">
-                <a:solidFill>
-                  <a:schemeClr val="tx1"/>
-                </a:solidFill>
-                <a:latin typeface="Arial"/>
-                <a:cs typeface="Arial"/>
-              </a:rPr>
-              <a:t>departments = ["music", "</a:t>
-            </a:r>
-            <a:r>
-              <a:rPr lang="en-US" err="1">
-                <a:solidFill>
-                  <a:schemeClr val="tx1"/>
-                </a:solidFill>
-                <a:latin typeface="Arial"/>
-                <a:cs typeface="Arial"/>
-              </a:rPr>
-              <a:t>english</a:t>
-            </a:r>
-            <a:r>
-              <a:rPr lang="en-US" dirty="0">
-                <a:solidFill>
-                  <a:schemeClr val="tx1"/>
-                </a:solidFill>
-                <a:latin typeface="Arial"/>
-                <a:cs typeface="Arial"/>
-              </a:rPr>
-              <a:t>", "political science", "computer science", "physics", "anthropology"]</a:t>
-            </a:r>
-          </a:p>
-          <a:p>
-            <a:pPr>
-              <a:buNone/>
-            </a:pPr>
-            <a:r>
-              <a:rPr lang="en-US" err="1">
-                <a:solidFill>
-                  <a:schemeClr val="tx1"/>
-                </a:solidFill>
-                <a:latin typeface="Arial"/>
-                <a:cs typeface="Arial"/>
-              </a:rPr>
-              <a:t>departments.sort</a:t>
-            </a:r>
-            <a:r>
-              <a:rPr lang="en-US" dirty="0">
-                <a:solidFill>
-                  <a:schemeClr val="tx1"/>
-                </a:solidFill>
-                <a:latin typeface="Arial"/>
-                <a:cs typeface="Arial"/>
-              </a:rPr>
-              <a:t>()</a:t>
-            </a:r>
-          </a:p>
-          <a:p>
-            <a:pPr>
-              <a:buNone/>
-            </a:pPr>
-            <a:r>
-              <a:rPr lang="en-US" dirty="0">
-                <a:solidFill>
-                  <a:schemeClr val="tx1"/>
-                </a:solidFill>
-                <a:latin typeface="Arial"/>
-                <a:cs typeface="Arial"/>
-              </a:rPr>
-              <a:t>x = departments[0]</a:t>
-            </a:r>
-          </a:p>
-          <a:p>
-            <a:pPr>
-              <a:buNone/>
-            </a:pPr>
-            <a:r>
-              <a:rPr lang="en-US" dirty="0">
-                <a:solidFill>
-                  <a:schemeClr val="tx1"/>
-                </a:solidFill>
-                <a:latin typeface="Arial"/>
-                <a:cs typeface="Arial"/>
-              </a:rPr>
-              <a:t>y = departments[1]</a:t>
-            </a:r>
-          </a:p>
-          <a:p>
-            <a:pPr marL="0" indent="0">
-              <a:buNone/>
-            </a:pPr>
-            <a:r>
-              <a:rPr lang="en-US" dirty="0">
-                <a:solidFill>
-                  <a:schemeClr val="tx1"/>
-                </a:solidFill>
-                <a:latin typeface="Arial"/>
-                <a:cs typeface="Arial"/>
-              </a:rPr>
-              <a:t>print(x, "and", y, "are two departments at Wash U")</a:t>
-            </a:r>
-          </a:p>
-        </p:txBody>
-      </p:sp>
-      <p:sp>
-        <p:nvSpPr>
-          <p:cNvPr id="3" name="Title 2">
-            <a:extLst>
-              <a:ext uri="{FF2B5EF4-FFF2-40B4-BE49-F238E27FC236}">
-                <a16:creationId xmlns:a16="http://schemas.microsoft.com/office/drawing/2014/main" id="{B7F13109-A066-E36F-862D-B7B792682A99}"/>
-              </a:ext>
-            </a:extLst>
-          </p:cNvPr>
-          <p:cNvSpPr>
-            <a:spLocks noGrp="1"/>
-          </p:cNvSpPr>
-          <p:nvPr>
-            <p:ph type="title"/>
-          </p:nvPr>
-        </p:nvSpPr>
-        <p:spPr/>
-        <p:txBody>
-          <a:bodyPr/>
-          <a:lstStyle/>
-          <a:p>
-            <a:pPr algn="ctr"/>
-            <a:r>
-              <a:rPr lang="en-US" dirty="0">
-                <a:solidFill>
-                  <a:schemeClr val="tx1"/>
-                </a:solidFill>
-                <a:latin typeface="Times New Roman"/>
-                <a:cs typeface="Times New Roman"/>
-              </a:rPr>
-              <a:t>Solution</a:t>
-            </a:r>
-            <a:endParaRPr lang="en-US" dirty="0">
-              <a:solidFill>
-                <a:schemeClr val="tx1"/>
-              </a:solidFill>
-            </a:endParaRPr>
-          </a:p>
-        </p:txBody>
-      </p:sp>
-    </p:spTree>
-    <p:extLst>
-      <p:ext uri="{BB962C8B-B14F-4D97-AF65-F5344CB8AC3E}">
-        <p14:creationId xmlns:p14="http://schemas.microsoft.com/office/powerpoint/2010/main" val="1699678302"/>
-      </p:ext>
-    </p:extLst>
-  </p:cSld>
-  <p:clrMapOvr>
-    <a:masterClrMapping/>
-  </p:clrMapOvr>
-  <mc:AlternateContent xmlns:mc="http://schemas.openxmlformats.org/markup-compatibility/2006" xmlns:p14="http://schemas.microsoft.com/office/powerpoint/2010/main">
-    <mc:Choice Requires="p14">
-      <p:transition spd="med" p14:dur="700">
-        <p:fade/>
-      </p:transition>
-    </mc:Choice>
-    <mc:Fallback xmlns="">
-      <p:transition spd="med">
-        <p:fade/>
-      </p:transition>
-    </mc:Fallback>
-  </mc:AlternateContent>
-</p:sld>
-</file>
-
-<file path=ppt/slides/slide25.xml><?xml version="1.0" encoding="utf-8"?>
-<p:sld xmlns:a="http://schemas.openxmlformats.org/drawingml/2006/main" xmlns:r="http://schemas.openxmlformats.org/officeDocument/2006/relationships" xmlns:p="http://schemas.openxmlformats.org/presentationml/2006/main">
-  <p:cSld>
-    <p:spTree>
-      <p:nvGrpSpPr>
-        <p:cNvPr id="1" name=""/>
-        <p:cNvGrpSpPr/>
-        <p:nvPr/>
-      </p:nvGrpSpPr>
-      <p:grpSpPr>
-        <a:xfrm>
-          <a:off x="0" y="0"/>
-          <a:ext cx="0" cy="0"/>
-          <a:chOff x="0" y="0"/>
-          <a:chExt cx="0" cy="0"/>
-        </a:xfrm>
-      </p:grpSpPr>
-      <p:sp>
-        <p:nvSpPr>
-          <p:cNvPr id="2" name="Content Placeholder 1">
-            <a:extLst>
-              <a:ext uri="{FF2B5EF4-FFF2-40B4-BE49-F238E27FC236}">
-                <a16:creationId xmlns:a16="http://schemas.microsoft.com/office/drawing/2014/main" id="{C3B60153-31EE-EE67-6EBC-192E9EE7A238}"/>
-              </a:ext>
-            </a:extLst>
-          </p:cNvPr>
-          <p:cNvSpPr>
-            <a:spLocks noGrp="1"/>
-          </p:cNvSpPr>
-          <p:nvPr>
-            <p:ph idx="1"/>
-          </p:nvPr>
-        </p:nvSpPr>
-        <p:spPr/>
-        <p:txBody>
-          <a:bodyPr vert="horz" lIns="91440" tIns="45720" rIns="91440" bIns="45720" rtlCol="0" anchor="t">
-            <a:normAutofit fontScale="92500" lnSpcReduction="20000"/>
-          </a:bodyPr>
-          <a:lstStyle/>
-          <a:p>
-            <a:pPr marL="514350" indent="-514350"/>
-            <a:r>
-              <a:rPr lang="en-US" dirty="0">
-                <a:solidFill>
-                  <a:schemeClr val="tx1"/>
-                </a:solidFill>
-                <a:latin typeface="Times New Roman"/>
-                <a:cs typeface="Arial"/>
-              </a:rPr>
-              <a:t>Finish exercises 2/3 (if we did not complete it in class) </a:t>
-            </a:r>
-            <a:endParaRPr lang="en-US" dirty="0">
-              <a:solidFill>
-                <a:schemeClr val="tx1"/>
-              </a:solidFill>
-            </a:endParaRPr>
-          </a:p>
-          <a:p>
-            <a:pPr marL="0" indent="0">
-              <a:buNone/>
-            </a:pPr>
-            <a:endParaRPr lang="en-US" dirty="0">
-              <a:solidFill>
-                <a:schemeClr val="tx1"/>
-              </a:solidFill>
-              <a:latin typeface="Times New Roman"/>
-              <a:cs typeface="Arial"/>
-            </a:endParaRPr>
-          </a:p>
-          <a:p>
-            <a:pPr marL="514350" indent="-514350"/>
-            <a:r>
-              <a:rPr lang="en-US" dirty="0">
-                <a:solidFill>
-                  <a:schemeClr val="tx1"/>
-                </a:solidFill>
-                <a:latin typeface="Times New Roman"/>
-                <a:cs typeface="Arial"/>
-              </a:rPr>
-              <a:t>Complete the Class One Exercise Sheet</a:t>
-            </a:r>
-          </a:p>
-          <a:p>
-            <a:pPr marL="0" indent="0">
-              <a:buNone/>
-            </a:pPr>
-            <a:endParaRPr lang="en-US" sz="1800" dirty="0">
-              <a:solidFill>
-                <a:schemeClr val="tx1"/>
-              </a:solidFill>
-              <a:latin typeface="Times New Roman"/>
-              <a:cs typeface="Times New Roman"/>
-            </a:endParaRPr>
-          </a:p>
-          <a:p>
-            <a:pPr marL="514350" indent="-514350"/>
-            <a:r>
-              <a:rPr lang="en-US" dirty="0">
-                <a:solidFill>
-                  <a:schemeClr val="tx1"/>
-                </a:solidFill>
-                <a:latin typeface="Times New Roman"/>
-                <a:cs typeface="Times New Roman"/>
-              </a:rPr>
-              <a:t>Install anaconda (</a:t>
-            </a:r>
-            <a:r>
-              <a:rPr lang="en-US" dirty="0">
-                <a:solidFill>
-                  <a:schemeClr val="tx1"/>
-                </a:solidFill>
-                <a:latin typeface="Times New Roman"/>
-                <a:cs typeface="Times New Roman"/>
-                <a:hlinkClick r:id="rId2">
-                  <a:extLst>
-                    <a:ext uri="{A12FA001-AC4F-418D-AE19-62706E023703}">
-                      <ahyp:hlinkClr xmlns:ahyp="http://schemas.microsoft.com/office/drawing/2018/hyperlinkcolor" val="tx"/>
-                    </a:ext>
-                  </a:extLst>
-                </a:hlinkClick>
-              </a:rPr>
-              <a:t>https://www.anaconda.com/download/</a:t>
-            </a:r>
-            <a:r>
-              <a:rPr lang="en-US" dirty="0">
-                <a:solidFill>
-                  <a:schemeClr val="tx1"/>
-                </a:solidFill>
-                <a:latin typeface="Times New Roman"/>
-                <a:cs typeface="Times New Roman"/>
-              </a:rPr>
-              <a:t>)</a:t>
-            </a:r>
-          </a:p>
-          <a:p>
-            <a:pPr marL="514350" indent="-514350"/>
-            <a:endParaRPr lang="en-US" dirty="0">
-              <a:solidFill>
-                <a:schemeClr val="tx1"/>
-              </a:solidFill>
-              <a:latin typeface="Times New Roman"/>
-              <a:cs typeface="Times New Roman"/>
-            </a:endParaRPr>
-          </a:p>
-          <a:p>
-            <a:pPr marL="514350" indent="-514350"/>
-            <a:r>
-              <a:rPr lang="en-US" dirty="0">
-                <a:solidFill>
-                  <a:schemeClr val="tx1"/>
-                </a:solidFill>
-                <a:latin typeface="Times New Roman"/>
-                <a:cs typeface="Times New Roman"/>
-              </a:rPr>
-              <a:t>From the Anaconda Navigator install:</a:t>
-            </a:r>
-          </a:p>
-          <a:p>
-            <a:pPr lvl="1"/>
-            <a:r>
-              <a:rPr lang="en-US" dirty="0">
-                <a:solidFill>
-                  <a:schemeClr val="tx1"/>
-                </a:solidFill>
-                <a:latin typeface="Times New Roman"/>
-                <a:cs typeface="Times New Roman"/>
-              </a:rPr>
-              <a:t>Visual Studio Code</a:t>
-            </a:r>
-            <a:endParaRPr lang="en-US">
-              <a:solidFill>
-                <a:schemeClr val="tx1"/>
-              </a:solidFill>
-              <a:latin typeface="Times New Roman"/>
-              <a:cs typeface="Times New Roman"/>
-            </a:endParaRPr>
-          </a:p>
-          <a:p>
-            <a:pPr lvl="1"/>
-            <a:r>
-              <a:rPr lang="en-US" err="1">
-                <a:solidFill>
-                  <a:schemeClr val="tx1"/>
-                </a:solidFill>
-                <a:latin typeface="Times New Roman"/>
-                <a:cs typeface="Times New Roman"/>
-              </a:rPr>
-              <a:t>Jupyter</a:t>
-            </a:r>
-            <a:r>
-              <a:rPr lang="en-US" dirty="0">
-                <a:solidFill>
-                  <a:schemeClr val="tx1"/>
-                </a:solidFill>
-                <a:latin typeface="Times New Roman"/>
-                <a:cs typeface="Times New Roman"/>
-              </a:rPr>
-              <a:t> Notebook</a:t>
-            </a:r>
-            <a:br>
-              <a:rPr lang="en-US" dirty="0">
-                <a:latin typeface="Times New Roman"/>
-                <a:cs typeface="Times New Roman"/>
-              </a:rPr>
-            </a:br>
-            <a:endParaRPr lang="en-US">
-              <a:solidFill>
-                <a:schemeClr val="tx1"/>
-              </a:solidFill>
-              <a:latin typeface="Times New Roman"/>
-              <a:cs typeface="Times New Roman"/>
-            </a:endParaRPr>
-          </a:p>
-          <a:p>
-            <a:pPr marL="0" indent="0">
-              <a:buNone/>
-            </a:pPr>
-            <a:r>
-              <a:rPr lang="en-US" sz="2000" dirty="0">
-                <a:solidFill>
-                  <a:schemeClr val="tx1"/>
-                </a:solidFill>
-                <a:latin typeface="Times New Roman"/>
-                <a:cs typeface="Arial"/>
-              </a:rPr>
-              <a:t>More details at: </a:t>
-            </a:r>
-            <a:endParaRPr lang="en-US" sz="2000" dirty="0">
-              <a:solidFill>
-                <a:schemeClr val="tx1"/>
-              </a:solidFill>
-              <a:latin typeface="Times New Roman"/>
-            </a:endParaRPr>
-          </a:p>
-          <a:p>
-            <a:pPr marL="0" indent="0" algn="ctr">
-              <a:buNone/>
-            </a:pPr>
-            <a:r>
-              <a:rPr lang="en-US" sz="1600" dirty="0">
-                <a:solidFill>
-                  <a:schemeClr val="tx1"/>
-                </a:solidFill>
-                <a:latin typeface="Times New Roman"/>
-                <a:cs typeface="Arial"/>
-              </a:rPr>
-              <a:t>https://github.com/ClaudiaECarroll/Intro_to_Python/blob/main/homework_lesson_1.md</a:t>
-            </a:r>
-            <a:endParaRPr lang="en-US" sz="1600" dirty="0">
-              <a:solidFill>
-                <a:schemeClr val="tx1"/>
-              </a:solidFill>
-              <a:latin typeface="Times New Roman"/>
-            </a:endParaRPr>
-          </a:p>
-        </p:txBody>
-      </p:sp>
-      <p:sp>
-        <p:nvSpPr>
-          <p:cNvPr id="3" name="Title 2">
-            <a:extLst>
-              <a:ext uri="{FF2B5EF4-FFF2-40B4-BE49-F238E27FC236}">
-                <a16:creationId xmlns:a16="http://schemas.microsoft.com/office/drawing/2014/main" id="{55C414E5-E670-63E3-2ACE-E8D1BD751495}"/>
-              </a:ext>
-            </a:extLst>
-          </p:cNvPr>
-          <p:cNvSpPr>
-            <a:spLocks noGrp="1"/>
-          </p:cNvSpPr>
-          <p:nvPr>
-            <p:ph type="title"/>
-          </p:nvPr>
-        </p:nvSpPr>
-        <p:spPr/>
-        <p:txBody>
-          <a:bodyPr/>
-          <a:lstStyle/>
-          <a:p>
-            <a:pPr algn="ctr"/>
-            <a:r>
-              <a:rPr lang="en-US" dirty="0">
-                <a:solidFill>
-                  <a:srgbClr val="000000"/>
-                </a:solidFill>
-                <a:latin typeface="Times New Roman"/>
-                <a:cs typeface="Times New Roman"/>
-              </a:rPr>
-              <a:t>Homework!</a:t>
-            </a:r>
-            <a:endParaRPr lang="en-US" dirty="0">
-              <a:solidFill>
-                <a:srgbClr val="000000"/>
-              </a:solidFill>
-            </a:endParaRPr>
-          </a:p>
-        </p:txBody>
-      </p:sp>
-    </p:spTree>
-    <p:extLst>
-      <p:ext uri="{BB962C8B-B14F-4D97-AF65-F5344CB8AC3E}">
-        <p14:creationId xmlns:p14="http://schemas.microsoft.com/office/powerpoint/2010/main" val="3143217917"/>
-      </p:ext>
-    </p:extLst>
-  </p:cSld>
-  <p:clrMapOvr>
-    <a:masterClrMapping/>
-  </p:clrMapOvr>
-  <mc:AlternateContent xmlns:mc="http://schemas.openxmlformats.org/markup-compatibility/2006" xmlns:p14="http://schemas.microsoft.com/office/powerpoint/2010/main">
-    <mc:Choice Requires="p14">
-      <p:transition spd="med" p14:dur="700">
-        <p:fade/>
-      </p:transition>
-    </mc:Choice>
-    <mc:Fallback xmlns="">
-      <p:transition spd="med">
-        <p:fade/>
-      </p:transition>
-    </mc:Fallback>
-  </mc:AlternateContent>
 </p:sld>
 </file>
 
